--- a/10 汇报情况PPT/00 方向性汇报.pptx
+++ b/10 汇报情况PPT/00 方向性汇报.pptx
@@ -3417,7 +3417,7 @@
           <a:p>
             <a:fld id="{EF406464-88CB-4530-922F-6E87E37D3DFD}" type="datetimeFigureOut">
               <a:rPr lang="zh-CN" altLang="en-US" smtClean="0"/>
-              <a:t>2019/10/17</a:t>
+              <a:t>2019/10/22</a:t>
             </a:fld>
             <a:endParaRPr lang="zh-CN" altLang="en-US"/>
           </a:p>

--- a/10 汇报情况PPT/00 方向性汇报.pptx
+++ b/10 汇报情况PPT/00 方向性汇报.pptx
@@ -5,7 +5,7 @@
     <p:sldMasterId id="2147483648" r:id="rId1"/>
   </p:sldMasterIdLst>
   <p:notesMasterIdLst>
-    <p:notesMasterId r:id="rId27"/>
+    <p:notesMasterId r:id="rId24"/>
   </p:notesMasterIdLst>
   <p:sldIdLst>
     <p:sldId id="259" r:id="rId2"/>
@@ -29,10 +29,7 @@
     <p:sldId id="300" r:id="rId20"/>
     <p:sldId id="270" r:id="rId21"/>
     <p:sldId id="295" r:id="rId22"/>
-    <p:sldId id="272" r:id="rId23"/>
-    <p:sldId id="284" r:id="rId24"/>
-    <p:sldId id="273" r:id="rId25"/>
-    <p:sldId id="282" r:id="rId26"/>
+    <p:sldId id="282" r:id="rId23"/>
   </p:sldIdLst>
   <p:sldSz cx="12192000" cy="6858000"/>
   <p:notesSz cx="6858000" cy="9144000"/>
@@ -3417,7 +3414,7 @@
           <a:p>
             <a:fld id="{EF406464-88CB-4530-922F-6E87E37D3DFD}" type="datetimeFigureOut">
               <a:rPr lang="zh-CN" altLang="en-US" smtClean="0"/>
-              <a:t>2019/10/22</a:t>
+              <a:t>2019/11/17</a:t>
             </a:fld>
             <a:endParaRPr lang="zh-CN" altLang="en-US"/>
           </a:p>
@@ -19959,2511 +19956,6 @@
       </p:grpSpPr>
       <p:sp>
         <p:nvSpPr>
-          <p:cNvPr id="25" name="矩形 24">
-            <a:extLst>
-              <a:ext uri="{FF2B5EF4-FFF2-40B4-BE49-F238E27FC236}">
-                <a16:creationId xmlns:a16="http://schemas.microsoft.com/office/drawing/2014/main" id="{CDA51A29-5004-4A23-ADFD-DD80A56C5F06}"/>
-              </a:ext>
-            </a:extLst>
-          </p:cNvPr>
-          <p:cNvSpPr/>
-          <p:nvPr/>
-        </p:nvSpPr>
-        <p:spPr>
-          <a:xfrm>
-            <a:off x="7880663" y="1866915"/>
-            <a:ext cx="3476381" cy="4000841"/>
-          </a:xfrm>
-          <a:prstGeom prst="rect">
-            <a:avLst/>
-          </a:prstGeom>
-          <a:solidFill>
-            <a:srgbClr val="272727"/>
-          </a:solidFill>
-          <a:ln>
-            <a:noFill/>
-          </a:ln>
-        </p:spPr>
-        <p:style>
-          <a:lnRef idx="2">
-            <a:schemeClr val="accent1">
-              <a:shade val="50000"/>
-            </a:schemeClr>
-          </a:lnRef>
-          <a:fillRef idx="1">
-            <a:schemeClr val="accent1"/>
-          </a:fillRef>
-          <a:effectRef idx="0">
-            <a:schemeClr val="accent1"/>
-          </a:effectRef>
-          <a:fontRef idx="minor">
-            <a:schemeClr val="lt1"/>
-          </a:fontRef>
-        </p:style>
-        <p:txBody>
-          <a:bodyPr rtlCol="0" anchor="ctr"/>
-          <a:lstStyle/>
-          <a:p>
-            <a:pPr algn="ctr"/>
-            <a:endParaRPr lang="zh-CN" altLang="en-US"/>
-          </a:p>
-        </p:txBody>
-      </p:sp>
-      <p:sp>
-        <p:nvSpPr>
-          <p:cNvPr id="24" name="矩形 23">
-            <a:extLst>
-              <a:ext uri="{FF2B5EF4-FFF2-40B4-BE49-F238E27FC236}">
-                <a16:creationId xmlns:a16="http://schemas.microsoft.com/office/drawing/2014/main" id="{CDA51A29-5004-4A23-ADFD-DD80A56C5F06}"/>
-              </a:ext>
-            </a:extLst>
-          </p:cNvPr>
-          <p:cNvSpPr/>
-          <p:nvPr/>
-        </p:nvSpPr>
-        <p:spPr>
-          <a:xfrm>
-            <a:off x="2632537" y="1884165"/>
-            <a:ext cx="3476381" cy="4000841"/>
-          </a:xfrm>
-          <a:prstGeom prst="rect">
-            <a:avLst/>
-          </a:prstGeom>
-          <a:solidFill>
-            <a:srgbClr val="C19C7A"/>
-          </a:solidFill>
-          <a:ln>
-            <a:noFill/>
-          </a:ln>
-        </p:spPr>
-        <p:style>
-          <a:lnRef idx="2">
-            <a:schemeClr val="accent1">
-              <a:shade val="50000"/>
-            </a:schemeClr>
-          </a:lnRef>
-          <a:fillRef idx="1">
-            <a:schemeClr val="accent1"/>
-          </a:fillRef>
-          <a:effectRef idx="0">
-            <a:schemeClr val="accent1"/>
-          </a:effectRef>
-          <a:fontRef idx="minor">
-            <a:schemeClr val="lt1"/>
-          </a:fontRef>
-        </p:style>
-        <p:txBody>
-          <a:bodyPr rtlCol="0" anchor="ctr"/>
-          <a:lstStyle/>
-          <a:p>
-            <a:pPr algn="ctr"/>
-            <a:endParaRPr lang="zh-CN" altLang="en-US"/>
-          </a:p>
-        </p:txBody>
-      </p:sp>
-      <p:grpSp>
-        <p:nvGrpSpPr>
-          <p:cNvPr id="2" name="组合 15"/>
-          <p:cNvGrpSpPr/>
-          <p:nvPr/>
-        </p:nvGrpSpPr>
-        <p:grpSpPr>
-          <a:xfrm>
-            <a:off x="2749046" y="1969703"/>
-            <a:ext cx="3138321" cy="1411385"/>
-            <a:chOff x="8386921" y="2192795"/>
-            <a:chExt cx="3138321" cy="1411385"/>
-          </a:xfrm>
-        </p:grpSpPr>
-        <p:sp>
-          <p:nvSpPr>
-            <p:cNvPr id="3" name="矩形 2"/>
-            <p:cNvSpPr/>
-            <p:nvPr/>
-          </p:nvSpPr>
-          <p:spPr>
-            <a:xfrm>
-              <a:off x="8386922" y="2192795"/>
-              <a:ext cx="2501951" cy="424732"/>
-            </a:xfrm>
-            <a:prstGeom prst="rect">
-              <a:avLst/>
-            </a:prstGeom>
-          </p:spPr>
-          <p:txBody>
-            <a:bodyPr wrap="square">
-              <a:spAutoFit/>
-              <a:scene3d>
-                <a:camera prst="orthographicFront"/>
-                <a:lightRig rig="threePt" dir="t"/>
-              </a:scene3d>
-              <a:sp3d contourW="12700"/>
-            </a:bodyPr>
-            <a:lstStyle/>
-            <a:p>
-              <a:pPr>
-                <a:lnSpc>
-                  <a:spcPct val="120000"/>
-                </a:lnSpc>
-              </a:pPr>
-              <a:r>
-                <a:rPr lang="zh-CN" altLang="en-US" b="1" dirty="0">
-                  <a:solidFill>
-                    <a:schemeClr val="bg1"/>
-                  </a:solidFill>
-                </a:rPr>
-                <a:t>标题文字添加</a:t>
-              </a:r>
-            </a:p>
-          </p:txBody>
-        </p:sp>
-        <p:sp>
-          <p:nvSpPr>
-            <p:cNvPr id="4" name="文本框 3"/>
-            <p:cNvSpPr txBox="1"/>
-            <p:nvPr/>
-          </p:nvSpPr>
-          <p:spPr>
-            <a:xfrm>
-              <a:off x="8386921" y="2542351"/>
-              <a:ext cx="3138321" cy="1061829"/>
-            </a:xfrm>
-            <a:prstGeom prst="rect">
-              <a:avLst/>
-            </a:prstGeom>
-            <a:noFill/>
-          </p:spPr>
-          <p:txBody>
-            <a:bodyPr wrap="square" rtlCol="0">
-              <a:spAutoFit/>
-              <a:scene3d>
-                <a:camera prst="orthographicFront"/>
-                <a:lightRig rig="threePt" dir="t"/>
-              </a:scene3d>
-              <a:sp3d contourW="12700"/>
-            </a:bodyPr>
-            <a:lstStyle/>
-            <a:p>
-              <a:pPr>
-                <a:lnSpc>
-                  <a:spcPct val="150000"/>
-                </a:lnSpc>
-              </a:pPr>
-              <a:r>
-                <a:rPr lang="zh-CN" altLang="en-US" sz="1400" dirty="0">
-                  <a:solidFill>
-                    <a:schemeClr val="bg1"/>
-                  </a:solidFill>
-                  <a:latin typeface="+mn-ea"/>
-                </a:rPr>
-                <a:t>用户可以在投影仪或者计算机上进行演示也可以将演示文稿打印出来制作成胶片用户可以在投影仪</a:t>
-              </a:r>
-            </a:p>
-          </p:txBody>
-        </p:sp>
-      </p:grpSp>
-      <p:grpSp>
-        <p:nvGrpSpPr>
-          <p:cNvPr id="5" name="组合 18"/>
-          <p:cNvGrpSpPr/>
-          <p:nvPr/>
-        </p:nvGrpSpPr>
-        <p:grpSpPr>
-          <a:xfrm>
-            <a:off x="2749046" y="4179876"/>
-            <a:ext cx="3138321" cy="1411385"/>
-            <a:chOff x="8386921" y="2192795"/>
-            <a:chExt cx="3138321" cy="1411385"/>
-          </a:xfrm>
-        </p:grpSpPr>
-        <p:sp>
-          <p:nvSpPr>
-            <p:cNvPr id="6" name="矩形 5"/>
-            <p:cNvSpPr/>
-            <p:nvPr/>
-          </p:nvSpPr>
-          <p:spPr>
-            <a:xfrm>
-              <a:off x="8386922" y="2192795"/>
-              <a:ext cx="2501951" cy="424732"/>
-            </a:xfrm>
-            <a:prstGeom prst="rect">
-              <a:avLst/>
-            </a:prstGeom>
-          </p:spPr>
-          <p:txBody>
-            <a:bodyPr wrap="square">
-              <a:spAutoFit/>
-              <a:scene3d>
-                <a:camera prst="orthographicFront"/>
-                <a:lightRig rig="threePt" dir="t"/>
-              </a:scene3d>
-              <a:sp3d contourW="12700"/>
-            </a:bodyPr>
-            <a:lstStyle/>
-            <a:p>
-              <a:pPr>
-                <a:lnSpc>
-                  <a:spcPct val="120000"/>
-                </a:lnSpc>
-              </a:pPr>
-              <a:r>
-                <a:rPr lang="zh-CN" altLang="en-US" b="1" dirty="0">
-                  <a:solidFill>
-                    <a:schemeClr val="bg1"/>
-                  </a:solidFill>
-                </a:rPr>
-                <a:t>标题文字添加</a:t>
-              </a:r>
-            </a:p>
-          </p:txBody>
-        </p:sp>
-        <p:sp>
-          <p:nvSpPr>
-            <p:cNvPr id="7" name="文本框 6"/>
-            <p:cNvSpPr txBox="1"/>
-            <p:nvPr/>
-          </p:nvSpPr>
-          <p:spPr>
-            <a:xfrm>
-              <a:off x="8386921" y="2542351"/>
-              <a:ext cx="3138321" cy="1061829"/>
-            </a:xfrm>
-            <a:prstGeom prst="rect">
-              <a:avLst/>
-            </a:prstGeom>
-            <a:noFill/>
-          </p:spPr>
-          <p:txBody>
-            <a:bodyPr wrap="square" rtlCol="0">
-              <a:spAutoFit/>
-              <a:scene3d>
-                <a:camera prst="orthographicFront"/>
-                <a:lightRig rig="threePt" dir="t"/>
-              </a:scene3d>
-              <a:sp3d contourW="12700"/>
-            </a:bodyPr>
-            <a:lstStyle/>
-            <a:p>
-              <a:pPr>
-                <a:lnSpc>
-                  <a:spcPct val="150000"/>
-                </a:lnSpc>
-              </a:pPr>
-              <a:r>
-                <a:rPr lang="zh-CN" altLang="en-US" sz="1400" dirty="0">
-                  <a:solidFill>
-                    <a:schemeClr val="bg1"/>
-                  </a:solidFill>
-                  <a:latin typeface="+mn-ea"/>
-                </a:rPr>
-                <a:t>用户可以在投影仪或者计算机上进行演示也可以将演示文稿打印出来制作成胶片用户可以在投影仪</a:t>
-              </a:r>
-            </a:p>
-          </p:txBody>
-        </p:sp>
-      </p:grpSp>
-      <p:grpSp>
-        <p:nvGrpSpPr>
-          <p:cNvPr id="8" name="组合 21"/>
-          <p:cNvGrpSpPr/>
-          <p:nvPr/>
-        </p:nvGrpSpPr>
-        <p:grpSpPr>
-          <a:xfrm>
-            <a:off x="8015845" y="1969703"/>
-            <a:ext cx="3138321" cy="1411385"/>
-            <a:chOff x="8386921" y="2192795"/>
-            <a:chExt cx="3138321" cy="1411385"/>
-          </a:xfrm>
-        </p:grpSpPr>
-        <p:sp>
-          <p:nvSpPr>
-            <p:cNvPr id="9" name="矩形 8"/>
-            <p:cNvSpPr/>
-            <p:nvPr/>
-          </p:nvSpPr>
-          <p:spPr>
-            <a:xfrm>
-              <a:off x="8386922" y="2192795"/>
-              <a:ext cx="2501951" cy="424732"/>
-            </a:xfrm>
-            <a:prstGeom prst="rect">
-              <a:avLst/>
-            </a:prstGeom>
-          </p:spPr>
-          <p:txBody>
-            <a:bodyPr wrap="square">
-              <a:spAutoFit/>
-              <a:scene3d>
-                <a:camera prst="orthographicFront"/>
-                <a:lightRig rig="threePt" dir="t"/>
-              </a:scene3d>
-              <a:sp3d contourW="12700"/>
-            </a:bodyPr>
-            <a:lstStyle/>
-            <a:p>
-              <a:pPr>
-                <a:lnSpc>
-                  <a:spcPct val="120000"/>
-                </a:lnSpc>
-              </a:pPr>
-              <a:r>
-                <a:rPr lang="zh-CN" altLang="en-US" b="1" dirty="0">
-                  <a:solidFill>
-                    <a:schemeClr val="bg1"/>
-                  </a:solidFill>
-                </a:rPr>
-                <a:t>标题文字添加</a:t>
-              </a:r>
-            </a:p>
-          </p:txBody>
-        </p:sp>
-        <p:sp>
-          <p:nvSpPr>
-            <p:cNvPr id="10" name="文本框 9"/>
-            <p:cNvSpPr txBox="1"/>
-            <p:nvPr/>
-          </p:nvSpPr>
-          <p:spPr>
-            <a:xfrm>
-              <a:off x="8386921" y="2542351"/>
-              <a:ext cx="3138321" cy="1061829"/>
-            </a:xfrm>
-            <a:prstGeom prst="rect">
-              <a:avLst/>
-            </a:prstGeom>
-            <a:noFill/>
-          </p:spPr>
-          <p:txBody>
-            <a:bodyPr wrap="square" rtlCol="0">
-              <a:spAutoFit/>
-              <a:scene3d>
-                <a:camera prst="orthographicFront"/>
-                <a:lightRig rig="threePt" dir="t"/>
-              </a:scene3d>
-              <a:sp3d contourW="12700"/>
-            </a:bodyPr>
-            <a:lstStyle/>
-            <a:p>
-              <a:pPr>
-                <a:lnSpc>
-                  <a:spcPct val="150000"/>
-                </a:lnSpc>
-              </a:pPr>
-              <a:r>
-                <a:rPr lang="zh-CN" altLang="en-US" sz="1400" dirty="0">
-                  <a:solidFill>
-                    <a:schemeClr val="bg1"/>
-                  </a:solidFill>
-                  <a:latin typeface="+mn-ea"/>
-                </a:rPr>
-                <a:t>用户可以在投影仪或者计算机上进行演示也可以将演示文稿打印出来制作成胶片用户可以在投影仪</a:t>
-              </a:r>
-            </a:p>
-          </p:txBody>
-        </p:sp>
-      </p:grpSp>
-      <p:grpSp>
-        <p:nvGrpSpPr>
-          <p:cNvPr id="11" name="组合 24"/>
-          <p:cNvGrpSpPr/>
-          <p:nvPr/>
-        </p:nvGrpSpPr>
-        <p:grpSpPr>
-          <a:xfrm>
-            <a:off x="8015845" y="4179876"/>
-            <a:ext cx="3138321" cy="1411385"/>
-            <a:chOff x="8386921" y="2192795"/>
-            <a:chExt cx="3138321" cy="1411385"/>
-          </a:xfrm>
-        </p:grpSpPr>
-        <p:sp>
-          <p:nvSpPr>
-            <p:cNvPr id="12" name="矩形 11"/>
-            <p:cNvSpPr/>
-            <p:nvPr/>
-          </p:nvSpPr>
-          <p:spPr>
-            <a:xfrm>
-              <a:off x="8386922" y="2192795"/>
-              <a:ext cx="2501951" cy="424732"/>
-            </a:xfrm>
-            <a:prstGeom prst="rect">
-              <a:avLst/>
-            </a:prstGeom>
-          </p:spPr>
-          <p:txBody>
-            <a:bodyPr wrap="square">
-              <a:spAutoFit/>
-              <a:scene3d>
-                <a:camera prst="orthographicFront"/>
-                <a:lightRig rig="threePt" dir="t"/>
-              </a:scene3d>
-              <a:sp3d contourW="12700"/>
-            </a:bodyPr>
-            <a:lstStyle/>
-            <a:p>
-              <a:pPr>
-                <a:lnSpc>
-                  <a:spcPct val="120000"/>
-                </a:lnSpc>
-              </a:pPr>
-              <a:r>
-                <a:rPr lang="zh-CN" altLang="en-US" b="1" dirty="0">
-                  <a:solidFill>
-                    <a:schemeClr val="bg1"/>
-                  </a:solidFill>
-                </a:rPr>
-                <a:t>标题文字添加</a:t>
-              </a:r>
-            </a:p>
-          </p:txBody>
-        </p:sp>
-        <p:sp>
-          <p:nvSpPr>
-            <p:cNvPr id="13" name="文本框 12"/>
-            <p:cNvSpPr txBox="1"/>
-            <p:nvPr/>
-          </p:nvSpPr>
-          <p:spPr>
-            <a:xfrm>
-              <a:off x="8386921" y="2542351"/>
-              <a:ext cx="3138321" cy="1061829"/>
-            </a:xfrm>
-            <a:prstGeom prst="rect">
-              <a:avLst/>
-            </a:prstGeom>
-            <a:noFill/>
-          </p:spPr>
-          <p:txBody>
-            <a:bodyPr wrap="square" rtlCol="0">
-              <a:spAutoFit/>
-              <a:scene3d>
-                <a:camera prst="orthographicFront"/>
-                <a:lightRig rig="threePt" dir="t"/>
-              </a:scene3d>
-              <a:sp3d contourW="12700"/>
-            </a:bodyPr>
-            <a:lstStyle/>
-            <a:p>
-              <a:pPr>
-                <a:lnSpc>
-                  <a:spcPct val="150000"/>
-                </a:lnSpc>
-              </a:pPr>
-              <a:r>
-                <a:rPr lang="zh-CN" altLang="en-US" sz="1400" dirty="0">
-                  <a:solidFill>
-                    <a:schemeClr val="bg1"/>
-                  </a:solidFill>
-                  <a:latin typeface="+mn-ea"/>
-                </a:rPr>
-                <a:t>用户可以在投影仪或者计算机上进行演示也可以将演示文稿打印出来制作成胶片用户可以在投影仪</a:t>
-              </a:r>
-            </a:p>
-          </p:txBody>
-        </p:sp>
-      </p:grpSp>
-      <p:sp>
-        <p:nvSpPr>
-          <p:cNvPr id="19" name="矩形 18"/>
-          <p:cNvSpPr/>
-          <p:nvPr/>
-        </p:nvSpPr>
-        <p:spPr>
-          <a:xfrm>
-            <a:off x="395880" y="263521"/>
-            <a:ext cx="6287723" cy="633187"/>
-          </a:xfrm>
-          <a:prstGeom prst="rect">
-            <a:avLst/>
-          </a:prstGeom>
-        </p:spPr>
-        <p:txBody>
-          <a:bodyPr wrap="square">
-            <a:spAutoFit/>
-            <a:scene3d>
-              <a:camera prst="orthographicFront"/>
-              <a:lightRig rig="threePt" dir="t"/>
-            </a:scene3d>
-            <a:sp3d contourW="12700"/>
-          </a:bodyPr>
-          <a:lstStyle/>
-          <a:p>
-            <a:pPr>
-              <a:lnSpc>
-                <a:spcPct val="120000"/>
-              </a:lnSpc>
-            </a:pPr>
-            <a:r>
-              <a:rPr lang="zh-CN" altLang="en-US" sz="3200" b="1">
-                <a:solidFill>
-                  <a:srgbClr val="272727"/>
-                </a:solidFill>
-                <a:latin typeface="Microsoft YaHei" charset="-122"/>
-                <a:ea typeface="Microsoft YaHei" charset="-122"/>
-                <a:cs typeface="Microsoft YaHei" charset="-122"/>
-              </a:rPr>
-              <a:t>基于稀疏表示图像融合研究现状</a:t>
-            </a:r>
-            <a:endParaRPr lang="zh-CN" altLang="en-US" sz="3200" b="1" dirty="0">
-              <a:solidFill>
-                <a:srgbClr val="272727"/>
-              </a:solidFill>
-              <a:latin typeface="Microsoft YaHei" charset="-122"/>
-              <a:ea typeface="Microsoft YaHei" charset="-122"/>
-              <a:cs typeface="Microsoft YaHei" charset="-122"/>
-            </a:endParaRPr>
-          </a:p>
-        </p:txBody>
-      </p:sp>
-      <p:sp>
-        <p:nvSpPr>
-          <p:cNvPr id="21" name="矩形 20">
-            <a:extLst>
-              <a:ext uri="{FF2B5EF4-FFF2-40B4-BE49-F238E27FC236}">
-                <a16:creationId xmlns:a16="http://schemas.microsoft.com/office/drawing/2014/main" id="{7964F19B-C3A6-4D67-BD1B-CB0939EECE43}"/>
-              </a:ext>
-            </a:extLst>
-          </p:cNvPr>
-          <p:cNvSpPr/>
-          <p:nvPr/>
-        </p:nvSpPr>
-        <p:spPr>
-          <a:xfrm>
-            <a:off x="0" y="77339"/>
-            <a:ext cx="228600" cy="960695"/>
-          </a:xfrm>
-          <a:prstGeom prst="rect">
-            <a:avLst/>
-          </a:prstGeom>
-          <a:solidFill>
-            <a:srgbClr val="C19C7A"/>
-          </a:solidFill>
-          <a:ln>
-            <a:noFill/>
-          </a:ln>
-        </p:spPr>
-        <p:style>
-          <a:lnRef idx="2">
-            <a:schemeClr val="accent1">
-              <a:shade val="50000"/>
-            </a:schemeClr>
-          </a:lnRef>
-          <a:fillRef idx="1">
-            <a:schemeClr val="accent1"/>
-          </a:fillRef>
-          <a:effectRef idx="0">
-            <a:schemeClr val="accent1"/>
-          </a:effectRef>
-          <a:fontRef idx="minor">
-            <a:schemeClr val="lt1"/>
-          </a:fontRef>
-        </p:style>
-        <p:txBody>
-          <a:bodyPr rtlCol="0" anchor="ctr"/>
-          <a:lstStyle/>
-          <a:p>
-            <a:pPr algn="ctr"/>
-            <a:endParaRPr lang="zh-CN" altLang="en-US"/>
-          </a:p>
-        </p:txBody>
-      </p:sp>
-      <p:pic>
-        <p:nvPicPr>
-          <p:cNvPr id="22" name="图片 21"/>
-          <p:cNvPicPr>
-            <a:picLocks noChangeAspect="1"/>
-          </p:cNvPicPr>
-          <p:nvPr/>
-        </p:nvPicPr>
-        <p:blipFill>
-          <a:blip r:embed="rId2">
-            <a:extLst>
-              <a:ext uri="{28A0092B-C50C-407E-A947-70E740481C1C}">
-                <a14:useLocalDpi xmlns:a14="http://schemas.microsoft.com/office/drawing/2010/main"/>
-              </a:ext>
-            </a:extLst>
-          </a:blip>
-          <a:stretch>
-            <a:fillRect/>
-          </a:stretch>
-        </p:blipFill>
-        <p:spPr>
-          <a:xfrm>
-            <a:off x="860796" y="1887571"/>
-            <a:ext cx="1771742" cy="3994030"/>
-          </a:xfrm>
-          <a:prstGeom prst="rect">
-            <a:avLst/>
-          </a:prstGeom>
-        </p:spPr>
-      </p:pic>
-      <p:pic>
-        <p:nvPicPr>
-          <p:cNvPr id="23" name="图片 22"/>
-          <p:cNvPicPr>
-            <a:picLocks noChangeAspect="1"/>
-          </p:cNvPicPr>
-          <p:nvPr/>
-        </p:nvPicPr>
-        <p:blipFill>
-          <a:blip r:embed="rId3">
-            <a:extLst>
-              <a:ext uri="{28A0092B-C50C-407E-A947-70E740481C1C}">
-                <a14:useLocalDpi xmlns:a14="http://schemas.microsoft.com/office/drawing/2010/main"/>
-              </a:ext>
-            </a:extLst>
-          </a:blip>
-          <a:stretch>
-            <a:fillRect/>
-          </a:stretch>
-        </p:blipFill>
-        <p:spPr>
-          <a:xfrm>
-            <a:off x="6108920" y="1867276"/>
-            <a:ext cx="1771742" cy="4000118"/>
-          </a:xfrm>
-          <a:prstGeom prst="rect">
-            <a:avLst/>
-          </a:prstGeom>
-        </p:spPr>
-      </p:pic>
-      <p:pic>
-        <p:nvPicPr>
-          <p:cNvPr id="15" name="图片 14">
-            <a:extLst>
-              <a:ext uri="{FF2B5EF4-FFF2-40B4-BE49-F238E27FC236}">
-                <a16:creationId xmlns:a16="http://schemas.microsoft.com/office/drawing/2014/main" id="{58ED380F-8FF9-4B13-8245-90AB02351944}"/>
-              </a:ext>
-            </a:extLst>
-          </p:cNvPr>
-          <p:cNvPicPr>
-            <a:picLocks noChangeAspect="1"/>
-          </p:cNvPicPr>
-          <p:nvPr/>
-        </p:nvPicPr>
-        <p:blipFill>
-          <a:blip r:embed="rId4"/>
-          <a:stretch>
-            <a:fillRect/>
-          </a:stretch>
-        </p:blipFill>
-        <p:spPr>
-          <a:xfrm>
-            <a:off x="741575" y="1562490"/>
-            <a:ext cx="10708849" cy="4398802"/>
-          </a:xfrm>
-          <a:prstGeom prst="rect">
-            <a:avLst/>
-          </a:prstGeom>
-        </p:spPr>
-      </p:pic>
-    </p:spTree>
-    <p:extLst>
-      <p:ext uri="{BB962C8B-B14F-4D97-AF65-F5344CB8AC3E}">
-        <p14:creationId xmlns:p14="http://schemas.microsoft.com/office/powerpoint/2010/main" val="2597974712"/>
-      </p:ext>
-    </p:extLst>
-  </p:cSld>
-  <p:clrMapOvr>
-    <a:masterClrMapping/>
-  </p:clrMapOvr>
-  <p:transition spd="slow">
-    <p:push dir="u"/>
-  </p:transition>
-  <p:timing>
-    <p:tnLst>
-      <p:par>
-        <p:cTn id="1" dur="indefinite" restart="never" nodeType="tmRoot">
-          <p:childTnLst>
-            <p:seq concurrent="1" nextAc="seek">
-              <p:cTn id="2" dur="indefinite" nodeType="mainSeq">
-                <p:childTnLst>
-                  <p:par>
-                    <p:cTn id="3" fill="hold">
-                      <p:stCondLst>
-                        <p:cond delay="indefinite"/>
-                        <p:cond evt="onBegin" delay="0">
-                          <p:tn val="2"/>
-                        </p:cond>
-                      </p:stCondLst>
-                      <p:childTnLst>
-                        <p:par>
-                          <p:cTn id="4" fill="hold">
-                            <p:stCondLst>
-                              <p:cond delay="0"/>
-                            </p:stCondLst>
-                            <p:childTnLst>
-                              <p:par>
-                                <p:cTn id="5" presetID="22" presetClass="entr" presetSubtype="8" fill="hold" nodeType="afterEffect">
-                                  <p:stCondLst>
-                                    <p:cond delay="0"/>
-                                  </p:stCondLst>
-                                  <p:childTnLst>
-                                    <p:set>
-                                      <p:cBhvr>
-                                        <p:cTn id="6" dur="1" fill="hold">
-                                          <p:stCondLst>
-                                            <p:cond delay="0"/>
-                                          </p:stCondLst>
-                                        </p:cTn>
-                                        <p:tgtEl>
-                                          <p:spTgt spid="2"/>
-                                        </p:tgtEl>
-                                        <p:attrNameLst>
-                                          <p:attrName>style.visibility</p:attrName>
-                                        </p:attrNameLst>
-                                      </p:cBhvr>
-                                      <p:to>
-                                        <p:strVal val="visible"/>
-                                      </p:to>
-                                    </p:set>
-                                    <p:animEffect transition="in" filter="wipe(left)">
-                                      <p:cBhvr>
-                                        <p:cTn id="7" dur="500"/>
-                                        <p:tgtEl>
-                                          <p:spTgt spid="2"/>
-                                        </p:tgtEl>
-                                      </p:cBhvr>
-                                    </p:animEffect>
-                                  </p:childTnLst>
-                                </p:cTn>
-                              </p:par>
-                            </p:childTnLst>
-                          </p:cTn>
-                        </p:par>
-                        <p:par>
-                          <p:cTn id="8" fill="hold">
-                            <p:stCondLst>
-                              <p:cond delay="500"/>
-                            </p:stCondLst>
-                            <p:childTnLst>
-                              <p:par>
-                                <p:cTn id="9" presetID="22" presetClass="entr" presetSubtype="8" fill="hold" nodeType="afterEffect">
-                                  <p:stCondLst>
-                                    <p:cond delay="0"/>
-                                  </p:stCondLst>
-                                  <p:childTnLst>
-                                    <p:set>
-                                      <p:cBhvr>
-                                        <p:cTn id="10" dur="1" fill="hold">
-                                          <p:stCondLst>
-                                            <p:cond delay="0"/>
-                                          </p:stCondLst>
-                                        </p:cTn>
-                                        <p:tgtEl>
-                                          <p:spTgt spid="8"/>
-                                        </p:tgtEl>
-                                        <p:attrNameLst>
-                                          <p:attrName>style.visibility</p:attrName>
-                                        </p:attrNameLst>
-                                      </p:cBhvr>
-                                      <p:to>
-                                        <p:strVal val="visible"/>
-                                      </p:to>
-                                    </p:set>
-                                    <p:animEffect transition="in" filter="wipe(left)">
-                                      <p:cBhvr>
-                                        <p:cTn id="11" dur="500"/>
-                                        <p:tgtEl>
-                                          <p:spTgt spid="8"/>
-                                        </p:tgtEl>
-                                      </p:cBhvr>
-                                    </p:animEffect>
-                                  </p:childTnLst>
-                                </p:cTn>
-                              </p:par>
-                            </p:childTnLst>
-                          </p:cTn>
-                        </p:par>
-                        <p:par>
-                          <p:cTn id="12" fill="hold">
-                            <p:stCondLst>
-                              <p:cond delay="1000"/>
-                            </p:stCondLst>
-                            <p:childTnLst>
-                              <p:par>
-                                <p:cTn id="13" presetID="22" presetClass="entr" presetSubtype="8" fill="hold" nodeType="afterEffect">
-                                  <p:stCondLst>
-                                    <p:cond delay="0"/>
-                                  </p:stCondLst>
-                                  <p:childTnLst>
-                                    <p:set>
-                                      <p:cBhvr>
-                                        <p:cTn id="14" dur="1" fill="hold">
-                                          <p:stCondLst>
-                                            <p:cond delay="0"/>
-                                          </p:stCondLst>
-                                        </p:cTn>
-                                        <p:tgtEl>
-                                          <p:spTgt spid="5"/>
-                                        </p:tgtEl>
-                                        <p:attrNameLst>
-                                          <p:attrName>style.visibility</p:attrName>
-                                        </p:attrNameLst>
-                                      </p:cBhvr>
-                                      <p:to>
-                                        <p:strVal val="visible"/>
-                                      </p:to>
-                                    </p:set>
-                                    <p:animEffect transition="in" filter="wipe(left)">
-                                      <p:cBhvr>
-                                        <p:cTn id="15" dur="500"/>
-                                        <p:tgtEl>
-                                          <p:spTgt spid="5"/>
-                                        </p:tgtEl>
-                                      </p:cBhvr>
-                                    </p:animEffect>
-                                  </p:childTnLst>
-                                </p:cTn>
-                              </p:par>
-                            </p:childTnLst>
-                          </p:cTn>
-                        </p:par>
-                        <p:par>
-                          <p:cTn id="16" fill="hold">
-                            <p:stCondLst>
-                              <p:cond delay="1500"/>
-                            </p:stCondLst>
-                            <p:childTnLst>
-                              <p:par>
-                                <p:cTn id="17" presetID="22" presetClass="entr" presetSubtype="8" fill="hold" nodeType="afterEffect">
-                                  <p:stCondLst>
-                                    <p:cond delay="0"/>
-                                  </p:stCondLst>
-                                  <p:childTnLst>
-                                    <p:set>
-                                      <p:cBhvr>
-                                        <p:cTn id="18" dur="1" fill="hold">
-                                          <p:stCondLst>
-                                            <p:cond delay="0"/>
-                                          </p:stCondLst>
-                                        </p:cTn>
-                                        <p:tgtEl>
-                                          <p:spTgt spid="11"/>
-                                        </p:tgtEl>
-                                        <p:attrNameLst>
-                                          <p:attrName>style.visibility</p:attrName>
-                                        </p:attrNameLst>
-                                      </p:cBhvr>
-                                      <p:to>
-                                        <p:strVal val="visible"/>
-                                      </p:to>
-                                    </p:set>
-                                    <p:animEffect transition="in" filter="wipe(left)">
-                                      <p:cBhvr>
-                                        <p:cTn id="19" dur="500"/>
-                                        <p:tgtEl>
-                                          <p:spTgt spid="11"/>
-                                        </p:tgtEl>
-                                      </p:cBhvr>
-                                    </p:animEffect>
-                                  </p:childTnLst>
-                                </p:cTn>
-                              </p:par>
-                            </p:childTnLst>
-                          </p:cTn>
-                        </p:par>
-                      </p:childTnLst>
-                    </p:cTn>
-                  </p:par>
-                </p:childTnLst>
-              </p:cTn>
-              <p:prevCondLst>
-                <p:cond evt="onPrev" delay="0">
-                  <p:tgtEl>
-                    <p:sldTgt/>
-                  </p:tgtEl>
-                </p:cond>
-              </p:prevCondLst>
-              <p:nextCondLst>
-                <p:cond evt="onNext" delay="0">
-                  <p:tgtEl>
-                    <p:sldTgt/>
-                  </p:tgtEl>
-                </p:cond>
-              </p:nextCondLst>
-            </p:seq>
-          </p:childTnLst>
-        </p:cTn>
-      </p:par>
-    </p:tnLst>
-  </p:timing>
-</p:sld>
-</file>
-
-<file path=ppt/slides/slide23.xml><?xml version="1.0" encoding="utf-8"?>
-<p:sld xmlns:a="http://schemas.openxmlformats.org/drawingml/2006/main" xmlns:r="http://schemas.openxmlformats.org/officeDocument/2006/relationships" xmlns:p="http://schemas.openxmlformats.org/presentationml/2006/main">
-  <p:cSld>
-    <p:spTree>
-      <p:nvGrpSpPr>
-        <p:cNvPr id="1" name=""/>
-        <p:cNvGrpSpPr/>
-        <p:nvPr/>
-      </p:nvGrpSpPr>
-      <p:grpSpPr>
-        <a:xfrm>
-          <a:off x="0" y="0"/>
-          <a:ext cx="0" cy="0"/>
-          <a:chOff x="0" y="0"/>
-          <a:chExt cx="0" cy="0"/>
-        </a:xfrm>
-      </p:grpSpPr>
-      <p:sp>
-        <p:nvSpPr>
-          <p:cNvPr id="3" name="矩形 2">
-            <a:extLst>
-              <a:ext uri="{FF2B5EF4-FFF2-40B4-BE49-F238E27FC236}">
-                <a16:creationId xmlns:a16="http://schemas.microsoft.com/office/drawing/2014/main" id="{CDA51A29-5004-4A23-ADFD-DD80A56C5F06}"/>
-              </a:ext>
-            </a:extLst>
-          </p:cNvPr>
-          <p:cNvSpPr/>
-          <p:nvPr/>
-        </p:nvSpPr>
-        <p:spPr>
-          <a:xfrm>
-            <a:off x="0" y="3265714"/>
-            <a:ext cx="12192000" cy="3592286"/>
-          </a:xfrm>
-          <a:prstGeom prst="rect">
-            <a:avLst/>
-          </a:prstGeom>
-          <a:solidFill>
-            <a:srgbClr val="C19C7A"/>
-          </a:solidFill>
-          <a:ln>
-            <a:noFill/>
-          </a:ln>
-        </p:spPr>
-        <p:style>
-          <a:lnRef idx="2">
-            <a:schemeClr val="accent1">
-              <a:shade val="50000"/>
-            </a:schemeClr>
-          </a:lnRef>
-          <a:fillRef idx="1">
-            <a:schemeClr val="accent1"/>
-          </a:fillRef>
-          <a:effectRef idx="0">
-            <a:schemeClr val="accent1"/>
-          </a:effectRef>
-          <a:fontRef idx="minor">
-            <a:schemeClr val="lt1"/>
-          </a:fontRef>
-        </p:style>
-        <p:txBody>
-          <a:bodyPr rtlCol="0" anchor="ctr"/>
-          <a:lstStyle/>
-          <a:p>
-            <a:pPr algn="ctr"/>
-            <a:endParaRPr lang="zh-CN" altLang="en-US"/>
-          </a:p>
-        </p:txBody>
-      </p:sp>
-      <p:sp>
-        <p:nvSpPr>
-          <p:cNvPr id="2" name="文本框 23">
-            <a:extLst>
-              <a:ext uri="{FF2B5EF4-FFF2-40B4-BE49-F238E27FC236}">
-                <a16:creationId xmlns:a16="http://schemas.microsoft.com/office/drawing/2014/main" id="{BB7013E3-81E3-4560-B311-5A64513ABE30}"/>
-              </a:ext>
-            </a:extLst>
-          </p:cNvPr>
-          <p:cNvSpPr txBox="1"/>
-          <p:nvPr/>
-        </p:nvSpPr>
-        <p:spPr>
-          <a:xfrm>
-            <a:off x="654956" y="1817051"/>
-            <a:ext cx="8489043" cy="1314206"/>
-          </a:xfrm>
-          <a:prstGeom prst="rect">
-            <a:avLst/>
-          </a:prstGeom>
-          <a:noFill/>
-        </p:spPr>
-        <p:txBody>
-          <a:bodyPr wrap="square" lIns="91440" tIns="45720" rIns="91440" bIns="45720" rtlCol="0">
-            <a:spAutoFit/>
-          </a:bodyPr>
-          <a:lstStyle/>
-          <a:p>
-            <a:pPr>
-              <a:lnSpc>
-                <a:spcPct val="150000"/>
-              </a:lnSpc>
-            </a:pPr>
-            <a:r>
-              <a:rPr lang="en-US" altLang="zh-CN" sz="6000" b="1">
-                <a:solidFill>
-                  <a:srgbClr val="C19C7A"/>
-                </a:solidFill>
-                <a:latin typeface="微软雅黑" panose="020B0503020204020204" pitchFamily="82" charset="2"/>
-                <a:ea typeface="微软雅黑" panose="020B0503020204020204" pitchFamily="82" charset="2"/>
-                <a:cs typeface="Aharoni" panose="02010803020104030203" pitchFamily="2" charset="-79"/>
-              </a:rPr>
-              <a:t>04</a:t>
-            </a:r>
-            <a:r>
-              <a:rPr lang="zh-CN" altLang="en-US" sz="6000" b="1">
-                <a:solidFill>
-                  <a:srgbClr val="C19C7A"/>
-                </a:solidFill>
-                <a:latin typeface="微软雅黑" panose="020B0503020204020204" pitchFamily="82" charset="2"/>
-                <a:ea typeface="微软雅黑" panose="020B0503020204020204" pitchFamily="82" charset="2"/>
-                <a:cs typeface="Aharoni" panose="02010803020104030203" pitchFamily="2" charset="-79"/>
-              </a:rPr>
-              <a:t>、下阶段工作计划</a:t>
-            </a:r>
-            <a:endParaRPr lang="en-US" altLang="zh-CN" sz="6000" b="1" dirty="0">
-              <a:solidFill>
-                <a:srgbClr val="C19C7A"/>
-              </a:solidFill>
-              <a:latin typeface="微软雅黑" panose="020B0503020204020204" pitchFamily="82" charset="2"/>
-              <a:ea typeface="微软雅黑" panose="020B0503020204020204" pitchFamily="82" charset="2"/>
-              <a:cs typeface="Aharoni" panose="02010803020104030203" pitchFamily="2" charset="-79"/>
-            </a:endParaRPr>
-          </a:p>
-        </p:txBody>
-      </p:sp>
-    </p:spTree>
-    <p:extLst>
-      <p:ext uri="{BB962C8B-B14F-4D97-AF65-F5344CB8AC3E}">
-        <p14:creationId xmlns:p14="http://schemas.microsoft.com/office/powerpoint/2010/main" val="895423269"/>
-      </p:ext>
-    </p:extLst>
-  </p:cSld>
-  <p:clrMapOvr>
-    <a:masterClrMapping/>
-  </p:clrMapOvr>
-  <p:transition spd="slow">
-    <p:push dir="u"/>
-  </p:transition>
-</p:sld>
-</file>
-
-<file path=ppt/slides/slide24.xml><?xml version="1.0" encoding="utf-8"?>
-<p:sld xmlns:a="http://schemas.openxmlformats.org/drawingml/2006/main" xmlns:r="http://schemas.openxmlformats.org/officeDocument/2006/relationships" xmlns:p="http://schemas.openxmlformats.org/presentationml/2006/main">
-  <p:cSld>
-    <p:spTree>
-      <p:nvGrpSpPr>
-        <p:cNvPr id="1" name=""/>
-        <p:cNvGrpSpPr/>
-        <p:nvPr/>
-      </p:nvGrpSpPr>
-      <p:grpSpPr>
-        <a:xfrm>
-          <a:off x="0" y="0"/>
-          <a:ext cx="0" cy="0"/>
-          <a:chOff x="0" y="0"/>
-          <a:chExt cx="0" cy="0"/>
-        </a:xfrm>
-      </p:grpSpPr>
-      <p:sp>
-        <p:nvSpPr>
-          <p:cNvPr id="2" name="任意多边形 2"/>
-          <p:cNvSpPr/>
-          <p:nvPr/>
-        </p:nvSpPr>
-        <p:spPr>
-          <a:xfrm flipH="1">
-            <a:off x="5312228" y="0"/>
-            <a:ext cx="6879771" cy="6869395"/>
-          </a:xfrm>
-          <a:custGeom>
-            <a:avLst/>
-            <a:gdLst>
-              <a:gd name="connsiteX0" fmla="*/ 0 w 6704217"/>
-              <a:gd name="connsiteY0" fmla="*/ 0 h 6694109"/>
-              <a:gd name="connsiteX1" fmla="*/ 6704217 w 6704217"/>
-              <a:gd name="connsiteY1" fmla="*/ 0 h 6694109"/>
-              <a:gd name="connsiteX2" fmla="*/ 0 w 6704217"/>
-              <a:gd name="connsiteY2" fmla="*/ 6694109 h 6694109"/>
-            </a:gdLst>
-            <a:ahLst/>
-            <a:cxnLst>
-              <a:cxn ang="0">
-                <a:pos x="connsiteX0" y="connsiteY0"/>
-              </a:cxn>
-              <a:cxn ang="0">
-                <a:pos x="connsiteX1" y="connsiteY1"/>
-              </a:cxn>
-              <a:cxn ang="0">
-                <a:pos x="connsiteX2" y="connsiteY2"/>
-              </a:cxn>
-            </a:cxnLst>
-            <a:rect l="l" t="t" r="r" b="b"/>
-            <a:pathLst>
-              <a:path w="6704217" h="6694109">
-                <a:moveTo>
-                  <a:pt x="0" y="0"/>
-                </a:moveTo>
-                <a:lnTo>
-                  <a:pt x="6704217" y="0"/>
-                </a:lnTo>
-                <a:lnTo>
-                  <a:pt x="0" y="6694109"/>
-                </a:lnTo>
-                <a:close/>
-              </a:path>
-            </a:pathLst>
-          </a:custGeom>
-          <a:solidFill>
-            <a:srgbClr val="272727"/>
-          </a:solidFill>
-          <a:ln>
-            <a:noFill/>
-          </a:ln>
-        </p:spPr>
-        <p:style>
-          <a:lnRef idx="2">
-            <a:schemeClr val="accent1">
-              <a:shade val="50000"/>
-            </a:schemeClr>
-          </a:lnRef>
-          <a:fillRef idx="1">
-            <a:schemeClr val="accent1"/>
-          </a:fillRef>
-          <a:effectRef idx="0">
-            <a:schemeClr val="accent1"/>
-          </a:effectRef>
-          <a:fontRef idx="minor">
-            <a:schemeClr val="lt1"/>
-          </a:fontRef>
-        </p:style>
-        <p:txBody>
-          <a:bodyPr rtlCol="0" anchor="ctr"/>
-          <a:lstStyle/>
-          <a:p>
-            <a:pPr algn="ctr"/>
-            <a:endParaRPr lang="zh-CN" altLang="en-US"/>
-          </a:p>
-        </p:txBody>
-      </p:sp>
-      <p:grpSp>
-        <p:nvGrpSpPr>
-          <p:cNvPr id="4" name="组合 24"/>
-          <p:cNvGrpSpPr/>
-          <p:nvPr/>
-        </p:nvGrpSpPr>
-        <p:grpSpPr>
-          <a:xfrm>
-            <a:off x="1102390" y="2353291"/>
-            <a:ext cx="580572" cy="580572"/>
-            <a:chOff x="9559244" y="124959"/>
-            <a:chExt cx="1143454" cy="1143454"/>
-          </a:xfrm>
-        </p:grpSpPr>
-        <p:sp>
-          <p:nvSpPr>
-            <p:cNvPr id="5" name="椭圆 4"/>
-            <p:cNvSpPr/>
-            <p:nvPr/>
-          </p:nvSpPr>
-          <p:spPr>
-            <a:xfrm>
-              <a:off x="9559244" y="124959"/>
-              <a:ext cx="1143454" cy="1143454"/>
-            </a:xfrm>
-            <a:prstGeom prst="ellipse">
-              <a:avLst/>
-            </a:prstGeom>
-            <a:solidFill>
-              <a:srgbClr val="C19C7A"/>
-            </a:solidFill>
-            <a:ln>
-              <a:noFill/>
-            </a:ln>
-          </p:spPr>
-          <p:style>
-            <a:lnRef idx="2">
-              <a:schemeClr val="accent1">
-                <a:shade val="50000"/>
-              </a:schemeClr>
-            </a:lnRef>
-            <a:fillRef idx="1">
-              <a:schemeClr val="accent1"/>
-            </a:fillRef>
-            <a:effectRef idx="0">
-              <a:schemeClr val="accent1"/>
-            </a:effectRef>
-            <a:fontRef idx="minor">
-              <a:schemeClr val="lt1"/>
-            </a:fontRef>
-          </p:style>
-          <p:txBody>
-            <a:bodyPr rot="0" spcFirstLastPara="0" vert="horz" wrap="square" lIns="91440" tIns="45720" rIns="91440" bIns="45720" numCol="1" spcCol="0" rtlCol="0" fromWordArt="0" anchor="ctr" anchorCtr="0" forceAA="0" compatLnSpc="1">
-              <a:prstTxWarp prst="textNoShape">
-                <a:avLst/>
-              </a:prstTxWarp>
-              <a:noAutofit/>
-            </a:bodyPr>
-            <a:lstStyle>
-              <a:defPPr>
-                <a:defRPr lang="en-US"/>
-              </a:defPPr>
-              <a:lvl1pPr marL="0" algn="l" defTabSz="457200" rtl="0" eaLnBrk="1" latinLnBrk="0" hangingPunct="1">
-                <a:defRPr sz="1800" kern="1200">
-                  <a:solidFill>
-                    <a:schemeClr val="lt1"/>
-                  </a:solidFill>
-                  <a:latin typeface="+mn-lt"/>
-                  <a:ea typeface="+mn-ea"/>
-                  <a:cs typeface="+mn-cs"/>
-                </a:defRPr>
-              </a:lvl1pPr>
-              <a:lvl2pPr marL="457200" algn="l" defTabSz="457200" rtl="0" eaLnBrk="1" latinLnBrk="0" hangingPunct="1">
-                <a:defRPr sz="1800" kern="1200">
-                  <a:solidFill>
-                    <a:schemeClr val="lt1"/>
-                  </a:solidFill>
-                  <a:latin typeface="+mn-lt"/>
-                  <a:ea typeface="+mn-ea"/>
-                  <a:cs typeface="+mn-cs"/>
-                </a:defRPr>
-              </a:lvl2pPr>
-              <a:lvl3pPr marL="914400" algn="l" defTabSz="457200" rtl="0" eaLnBrk="1" latinLnBrk="0" hangingPunct="1">
-                <a:defRPr sz="1800" kern="1200">
-                  <a:solidFill>
-                    <a:schemeClr val="lt1"/>
-                  </a:solidFill>
-                  <a:latin typeface="+mn-lt"/>
-                  <a:ea typeface="+mn-ea"/>
-                  <a:cs typeface="+mn-cs"/>
-                </a:defRPr>
-              </a:lvl3pPr>
-              <a:lvl4pPr marL="1371600" algn="l" defTabSz="457200" rtl="0" eaLnBrk="1" latinLnBrk="0" hangingPunct="1">
-                <a:defRPr sz="1800" kern="1200">
-                  <a:solidFill>
-                    <a:schemeClr val="lt1"/>
-                  </a:solidFill>
-                  <a:latin typeface="+mn-lt"/>
-                  <a:ea typeface="+mn-ea"/>
-                  <a:cs typeface="+mn-cs"/>
-                </a:defRPr>
-              </a:lvl4pPr>
-              <a:lvl5pPr marL="1828800" algn="l" defTabSz="457200" rtl="0" eaLnBrk="1" latinLnBrk="0" hangingPunct="1">
-                <a:defRPr sz="1800" kern="1200">
-                  <a:solidFill>
-                    <a:schemeClr val="lt1"/>
-                  </a:solidFill>
-                  <a:latin typeface="+mn-lt"/>
-                  <a:ea typeface="+mn-ea"/>
-                  <a:cs typeface="+mn-cs"/>
-                </a:defRPr>
-              </a:lvl5pPr>
-              <a:lvl6pPr marL="2286000" algn="l" defTabSz="457200" rtl="0" eaLnBrk="1" latinLnBrk="0" hangingPunct="1">
-                <a:defRPr sz="1800" kern="1200">
-                  <a:solidFill>
-                    <a:schemeClr val="lt1"/>
-                  </a:solidFill>
-                  <a:latin typeface="+mn-lt"/>
-                  <a:ea typeface="+mn-ea"/>
-                  <a:cs typeface="+mn-cs"/>
-                </a:defRPr>
-              </a:lvl6pPr>
-              <a:lvl7pPr marL="2743200" algn="l" defTabSz="457200" rtl="0" eaLnBrk="1" latinLnBrk="0" hangingPunct="1">
-                <a:defRPr sz="1800" kern="1200">
-                  <a:solidFill>
-                    <a:schemeClr val="lt1"/>
-                  </a:solidFill>
-                  <a:latin typeface="+mn-lt"/>
-                  <a:ea typeface="+mn-ea"/>
-                  <a:cs typeface="+mn-cs"/>
-                </a:defRPr>
-              </a:lvl7pPr>
-              <a:lvl8pPr marL="3200400" algn="l" defTabSz="457200" rtl="0" eaLnBrk="1" latinLnBrk="0" hangingPunct="1">
-                <a:defRPr sz="1800" kern="1200">
-                  <a:solidFill>
-                    <a:schemeClr val="lt1"/>
-                  </a:solidFill>
-                  <a:latin typeface="+mn-lt"/>
-                  <a:ea typeface="+mn-ea"/>
-                  <a:cs typeface="+mn-cs"/>
-                </a:defRPr>
-              </a:lvl8pPr>
-              <a:lvl9pPr marL="3657600" algn="l" defTabSz="457200" rtl="0" eaLnBrk="1" latinLnBrk="0" hangingPunct="1">
-                <a:defRPr sz="1800" kern="1200">
-                  <a:solidFill>
-                    <a:schemeClr val="lt1"/>
-                  </a:solidFill>
-                  <a:latin typeface="+mn-lt"/>
-                  <a:ea typeface="+mn-ea"/>
-                  <a:cs typeface="+mn-cs"/>
-                </a:defRPr>
-              </a:lvl9pPr>
-            </a:lstStyle>
-            <a:p>
-              <a:pPr algn="ctr"/>
-              <a:endParaRPr lang="zh-CN" altLang="en-US"/>
-            </a:p>
-          </p:txBody>
-        </p:sp>
-        <p:sp>
-          <p:nvSpPr>
-            <p:cNvPr id="6" name="椭圆 10"/>
-            <p:cNvSpPr/>
-            <p:nvPr/>
-          </p:nvSpPr>
-          <p:spPr>
-            <a:xfrm>
-              <a:off x="9830866" y="360023"/>
-              <a:ext cx="600209" cy="673327"/>
-            </a:xfrm>
-            <a:custGeom>
-              <a:avLst/>
-              <a:gdLst>
-                <a:gd name="connsiteX0" fmla="*/ 16193 w 538132"/>
-                <a:gd name="connsiteY0" fmla="*/ 302232 h 603687"/>
-                <a:gd name="connsiteX1" fmla="*/ 132346 w 538132"/>
-                <a:gd name="connsiteY1" fmla="*/ 302232 h 603687"/>
-                <a:gd name="connsiteX2" fmla="*/ 148540 w 538132"/>
-                <a:gd name="connsiteY2" fmla="*/ 318399 h 603687"/>
-                <a:gd name="connsiteX3" fmla="*/ 148540 w 538132"/>
-                <a:gd name="connsiteY3" fmla="*/ 587520 h 603687"/>
-                <a:gd name="connsiteX4" fmla="*/ 132346 w 538132"/>
-                <a:gd name="connsiteY4" fmla="*/ 603687 h 603687"/>
-                <a:gd name="connsiteX5" fmla="*/ 16193 w 538132"/>
-                <a:gd name="connsiteY5" fmla="*/ 603687 h 603687"/>
-                <a:gd name="connsiteX6" fmla="*/ 0 w 538132"/>
-                <a:gd name="connsiteY6" fmla="*/ 587520 h 603687"/>
-                <a:gd name="connsiteX7" fmla="*/ 0 w 538132"/>
-                <a:gd name="connsiteY7" fmla="*/ 318399 h 603687"/>
-                <a:gd name="connsiteX8" fmla="*/ 16193 w 538132"/>
-                <a:gd name="connsiteY8" fmla="*/ 302232 h 603687"/>
-                <a:gd name="connsiteX9" fmla="*/ 405786 w 538132"/>
-                <a:gd name="connsiteY9" fmla="*/ 186857 h 603687"/>
-                <a:gd name="connsiteX10" fmla="*/ 521939 w 538132"/>
-                <a:gd name="connsiteY10" fmla="*/ 186857 h 603687"/>
-                <a:gd name="connsiteX11" fmla="*/ 538132 w 538132"/>
-                <a:gd name="connsiteY11" fmla="*/ 203025 h 603687"/>
-                <a:gd name="connsiteX12" fmla="*/ 538132 w 538132"/>
-                <a:gd name="connsiteY12" fmla="*/ 587520 h 603687"/>
-                <a:gd name="connsiteX13" fmla="*/ 521939 w 538132"/>
-                <a:gd name="connsiteY13" fmla="*/ 603687 h 603687"/>
-                <a:gd name="connsiteX14" fmla="*/ 405786 w 538132"/>
-                <a:gd name="connsiteY14" fmla="*/ 603687 h 603687"/>
-                <a:gd name="connsiteX15" fmla="*/ 389592 w 538132"/>
-                <a:gd name="connsiteY15" fmla="*/ 587520 h 603687"/>
-                <a:gd name="connsiteX16" fmla="*/ 389592 w 538132"/>
-                <a:gd name="connsiteY16" fmla="*/ 203025 h 603687"/>
-                <a:gd name="connsiteX17" fmla="*/ 405786 w 538132"/>
-                <a:gd name="connsiteY17" fmla="*/ 186857 h 603687"/>
-                <a:gd name="connsiteX18" fmla="*/ 211024 w 538132"/>
-                <a:gd name="connsiteY18" fmla="*/ 0 h 603687"/>
-                <a:gd name="connsiteX19" fmla="*/ 327177 w 538132"/>
-                <a:gd name="connsiteY19" fmla="*/ 0 h 603687"/>
-                <a:gd name="connsiteX20" fmla="*/ 343371 w 538132"/>
-                <a:gd name="connsiteY20" fmla="*/ 16168 h 603687"/>
-                <a:gd name="connsiteX21" fmla="*/ 343371 w 538132"/>
-                <a:gd name="connsiteY21" fmla="*/ 587519 h 603687"/>
-                <a:gd name="connsiteX22" fmla="*/ 327177 w 538132"/>
-                <a:gd name="connsiteY22" fmla="*/ 603687 h 603687"/>
-                <a:gd name="connsiteX23" fmla="*/ 211024 w 538132"/>
-                <a:gd name="connsiteY23" fmla="*/ 603687 h 603687"/>
-                <a:gd name="connsiteX24" fmla="*/ 194831 w 538132"/>
-                <a:gd name="connsiteY24" fmla="*/ 587519 h 603687"/>
-                <a:gd name="connsiteX25" fmla="*/ 194831 w 538132"/>
-                <a:gd name="connsiteY25" fmla="*/ 16168 h 603687"/>
-                <a:gd name="connsiteX26" fmla="*/ 211024 w 538132"/>
-                <a:gd name="connsiteY26" fmla="*/ 0 h 603687"/>
-              </a:gdLst>
-              <a:ahLst/>
-              <a:cxnLst>
-                <a:cxn ang="0">
-                  <a:pos x="connsiteX0" y="connsiteY0"/>
-                </a:cxn>
-                <a:cxn ang="0">
-                  <a:pos x="connsiteX1" y="connsiteY1"/>
-                </a:cxn>
-                <a:cxn ang="0">
-                  <a:pos x="connsiteX2" y="connsiteY2"/>
-                </a:cxn>
-                <a:cxn ang="0">
-                  <a:pos x="connsiteX3" y="connsiteY3"/>
-                </a:cxn>
-                <a:cxn ang="0">
-                  <a:pos x="connsiteX4" y="connsiteY4"/>
-                </a:cxn>
-                <a:cxn ang="0">
-                  <a:pos x="connsiteX5" y="connsiteY5"/>
-                </a:cxn>
-                <a:cxn ang="0">
-                  <a:pos x="connsiteX6" y="connsiteY6"/>
-                </a:cxn>
-                <a:cxn ang="0">
-                  <a:pos x="connsiteX7" y="connsiteY7"/>
-                </a:cxn>
-                <a:cxn ang="0">
-                  <a:pos x="connsiteX8" y="connsiteY8"/>
-                </a:cxn>
-                <a:cxn ang="0">
-                  <a:pos x="connsiteX9" y="connsiteY9"/>
-                </a:cxn>
-                <a:cxn ang="0">
-                  <a:pos x="connsiteX10" y="connsiteY10"/>
-                </a:cxn>
-                <a:cxn ang="0">
-                  <a:pos x="connsiteX11" y="connsiteY11"/>
-                </a:cxn>
-                <a:cxn ang="0">
-                  <a:pos x="connsiteX12" y="connsiteY12"/>
-                </a:cxn>
-                <a:cxn ang="0">
-                  <a:pos x="connsiteX13" y="connsiteY13"/>
-                </a:cxn>
-                <a:cxn ang="0">
-                  <a:pos x="connsiteX14" y="connsiteY14"/>
-                </a:cxn>
-                <a:cxn ang="0">
-                  <a:pos x="connsiteX15" y="connsiteY15"/>
-                </a:cxn>
-                <a:cxn ang="0">
-                  <a:pos x="connsiteX16" y="connsiteY16"/>
-                </a:cxn>
-                <a:cxn ang="0">
-                  <a:pos x="connsiteX17" y="connsiteY17"/>
-                </a:cxn>
-                <a:cxn ang="0">
-                  <a:pos x="connsiteX18" y="connsiteY18"/>
-                </a:cxn>
-                <a:cxn ang="0">
-                  <a:pos x="connsiteX19" y="connsiteY19"/>
-                </a:cxn>
-                <a:cxn ang="0">
-                  <a:pos x="connsiteX20" y="connsiteY20"/>
-                </a:cxn>
-                <a:cxn ang="0">
-                  <a:pos x="connsiteX21" y="connsiteY21"/>
-                </a:cxn>
-                <a:cxn ang="0">
-                  <a:pos x="connsiteX22" y="connsiteY22"/>
-                </a:cxn>
-                <a:cxn ang="0">
-                  <a:pos x="connsiteX23" y="connsiteY23"/>
-                </a:cxn>
-                <a:cxn ang="0">
-                  <a:pos x="connsiteX24" y="connsiteY24"/>
-                </a:cxn>
-                <a:cxn ang="0">
-                  <a:pos x="connsiteX25" y="connsiteY25"/>
-                </a:cxn>
-                <a:cxn ang="0">
-                  <a:pos x="connsiteX26" y="connsiteY26"/>
-                </a:cxn>
-              </a:cxnLst>
-              <a:rect l="l" t="t" r="r" b="b"/>
-              <a:pathLst>
-                <a:path w="538132" h="603687">
-                  <a:moveTo>
-                    <a:pt x="16193" y="302232"/>
-                  </a:moveTo>
-                  <a:lnTo>
-                    <a:pt x="132346" y="302232"/>
-                  </a:lnTo>
-                  <a:cubicBezTo>
-                    <a:pt x="141235" y="302232"/>
-                    <a:pt x="148540" y="309525"/>
-                    <a:pt x="148540" y="318399"/>
-                  </a:cubicBezTo>
-                  <a:lnTo>
-                    <a:pt x="148540" y="587520"/>
-                  </a:lnTo>
-                  <a:cubicBezTo>
-                    <a:pt x="148540" y="596394"/>
-                    <a:pt x="141235" y="603687"/>
-                    <a:pt x="132346" y="603687"/>
-                  </a:cubicBezTo>
-                  <a:lnTo>
-                    <a:pt x="16193" y="603687"/>
-                  </a:lnTo>
-                  <a:cubicBezTo>
-                    <a:pt x="7305" y="603687"/>
-                    <a:pt x="0" y="596394"/>
-                    <a:pt x="0" y="587520"/>
-                  </a:cubicBezTo>
-                  <a:lnTo>
-                    <a:pt x="0" y="318399"/>
-                  </a:lnTo>
-                  <a:cubicBezTo>
-                    <a:pt x="0" y="309525"/>
-                    <a:pt x="7305" y="302232"/>
-                    <a:pt x="16193" y="302232"/>
-                  </a:cubicBezTo>
-                  <a:close/>
-                  <a:moveTo>
-                    <a:pt x="405786" y="186857"/>
-                  </a:moveTo>
-                  <a:lnTo>
-                    <a:pt x="521939" y="186857"/>
-                  </a:lnTo>
-                  <a:cubicBezTo>
-                    <a:pt x="530827" y="186857"/>
-                    <a:pt x="538132" y="194029"/>
-                    <a:pt x="538132" y="203025"/>
-                  </a:cubicBezTo>
-                  <a:lnTo>
-                    <a:pt x="538132" y="587520"/>
-                  </a:lnTo>
-                  <a:cubicBezTo>
-                    <a:pt x="538132" y="596393"/>
-                    <a:pt x="530827" y="603687"/>
-                    <a:pt x="521939" y="603687"/>
-                  </a:cubicBezTo>
-                  <a:lnTo>
-                    <a:pt x="405786" y="603687"/>
-                  </a:lnTo>
-                  <a:cubicBezTo>
-                    <a:pt x="396897" y="603687"/>
-                    <a:pt x="389592" y="596393"/>
-                    <a:pt x="389592" y="587520"/>
-                  </a:cubicBezTo>
-                  <a:lnTo>
-                    <a:pt x="389592" y="203025"/>
-                  </a:lnTo>
-                  <a:cubicBezTo>
-                    <a:pt x="389592" y="194029"/>
-                    <a:pt x="396897" y="186857"/>
-                    <a:pt x="405786" y="186857"/>
-                  </a:cubicBezTo>
-                  <a:close/>
-                  <a:moveTo>
-                    <a:pt x="211024" y="0"/>
-                  </a:moveTo>
-                  <a:lnTo>
-                    <a:pt x="327177" y="0"/>
-                  </a:lnTo>
-                  <a:cubicBezTo>
-                    <a:pt x="336066" y="0"/>
-                    <a:pt x="343371" y="7294"/>
-                    <a:pt x="343371" y="16168"/>
-                  </a:cubicBezTo>
-                  <a:lnTo>
-                    <a:pt x="343371" y="587519"/>
-                  </a:lnTo>
-                  <a:cubicBezTo>
-                    <a:pt x="343371" y="596393"/>
-                    <a:pt x="336066" y="603687"/>
-                    <a:pt x="327177" y="603687"/>
-                  </a:cubicBezTo>
-                  <a:lnTo>
-                    <a:pt x="211024" y="603687"/>
-                  </a:lnTo>
-                  <a:cubicBezTo>
-                    <a:pt x="202136" y="603687"/>
-                    <a:pt x="194831" y="596393"/>
-                    <a:pt x="194831" y="587519"/>
-                  </a:cubicBezTo>
-                  <a:lnTo>
-                    <a:pt x="194831" y="16168"/>
-                  </a:lnTo>
-                  <a:cubicBezTo>
-                    <a:pt x="194831" y="7294"/>
-                    <a:pt x="202136" y="0"/>
-                    <a:pt x="211024" y="0"/>
-                  </a:cubicBezTo>
-                  <a:close/>
-                </a:path>
-              </a:pathLst>
-            </a:custGeom>
-            <a:solidFill>
-              <a:schemeClr val="bg1"/>
-            </a:solidFill>
-            <a:ln>
-              <a:noFill/>
-            </a:ln>
-          </p:spPr>
-          <p:style>
-            <a:lnRef idx="2">
-              <a:schemeClr val="accent1">
-                <a:shade val="50000"/>
-              </a:schemeClr>
-            </a:lnRef>
-            <a:fillRef idx="1">
-              <a:schemeClr val="accent1"/>
-            </a:fillRef>
-            <a:effectRef idx="0">
-              <a:schemeClr val="accent1"/>
-            </a:effectRef>
-            <a:fontRef idx="minor">
-              <a:schemeClr val="lt1"/>
-            </a:fontRef>
-          </p:style>
-          <p:txBody>
-            <a:bodyPr rot="0" spcFirstLastPara="0" vert="horz" wrap="square" lIns="91440" tIns="45720" rIns="91440" bIns="45720" numCol="1" spcCol="0" rtlCol="0" fromWordArt="0" anchor="ctr" anchorCtr="0" forceAA="0" compatLnSpc="1">
-              <a:prstTxWarp prst="textNoShape">
-                <a:avLst/>
-              </a:prstTxWarp>
-              <a:noAutofit/>
-            </a:bodyPr>
-            <a:lstStyle>
-              <a:defPPr>
-                <a:defRPr lang="en-US"/>
-              </a:defPPr>
-              <a:lvl1pPr marL="0" algn="l" defTabSz="457200" rtl="0" eaLnBrk="1" latinLnBrk="0" hangingPunct="1">
-                <a:defRPr sz="1800" kern="1200">
-                  <a:solidFill>
-                    <a:schemeClr val="lt1"/>
-                  </a:solidFill>
-                  <a:latin typeface="+mn-lt"/>
-                  <a:ea typeface="+mn-ea"/>
-                  <a:cs typeface="+mn-cs"/>
-                </a:defRPr>
-              </a:lvl1pPr>
-              <a:lvl2pPr marL="457200" algn="l" defTabSz="457200" rtl="0" eaLnBrk="1" latinLnBrk="0" hangingPunct="1">
-                <a:defRPr sz="1800" kern="1200">
-                  <a:solidFill>
-                    <a:schemeClr val="lt1"/>
-                  </a:solidFill>
-                  <a:latin typeface="+mn-lt"/>
-                  <a:ea typeface="+mn-ea"/>
-                  <a:cs typeface="+mn-cs"/>
-                </a:defRPr>
-              </a:lvl2pPr>
-              <a:lvl3pPr marL="914400" algn="l" defTabSz="457200" rtl="0" eaLnBrk="1" latinLnBrk="0" hangingPunct="1">
-                <a:defRPr sz="1800" kern="1200">
-                  <a:solidFill>
-                    <a:schemeClr val="lt1"/>
-                  </a:solidFill>
-                  <a:latin typeface="+mn-lt"/>
-                  <a:ea typeface="+mn-ea"/>
-                  <a:cs typeface="+mn-cs"/>
-                </a:defRPr>
-              </a:lvl3pPr>
-              <a:lvl4pPr marL="1371600" algn="l" defTabSz="457200" rtl="0" eaLnBrk="1" latinLnBrk="0" hangingPunct="1">
-                <a:defRPr sz="1800" kern="1200">
-                  <a:solidFill>
-                    <a:schemeClr val="lt1"/>
-                  </a:solidFill>
-                  <a:latin typeface="+mn-lt"/>
-                  <a:ea typeface="+mn-ea"/>
-                  <a:cs typeface="+mn-cs"/>
-                </a:defRPr>
-              </a:lvl4pPr>
-              <a:lvl5pPr marL="1828800" algn="l" defTabSz="457200" rtl="0" eaLnBrk="1" latinLnBrk="0" hangingPunct="1">
-                <a:defRPr sz="1800" kern="1200">
-                  <a:solidFill>
-                    <a:schemeClr val="lt1"/>
-                  </a:solidFill>
-                  <a:latin typeface="+mn-lt"/>
-                  <a:ea typeface="+mn-ea"/>
-                  <a:cs typeface="+mn-cs"/>
-                </a:defRPr>
-              </a:lvl5pPr>
-              <a:lvl6pPr marL="2286000" algn="l" defTabSz="457200" rtl="0" eaLnBrk="1" latinLnBrk="0" hangingPunct="1">
-                <a:defRPr sz="1800" kern="1200">
-                  <a:solidFill>
-                    <a:schemeClr val="lt1"/>
-                  </a:solidFill>
-                  <a:latin typeface="+mn-lt"/>
-                  <a:ea typeface="+mn-ea"/>
-                  <a:cs typeface="+mn-cs"/>
-                </a:defRPr>
-              </a:lvl6pPr>
-              <a:lvl7pPr marL="2743200" algn="l" defTabSz="457200" rtl="0" eaLnBrk="1" latinLnBrk="0" hangingPunct="1">
-                <a:defRPr sz="1800" kern="1200">
-                  <a:solidFill>
-                    <a:schemeClr val="lt1"/>
-                  </a:solidFill>
-                  <a:latin typeface="+mn-lt"/>
-                  <a:ea typeface="+mn-ea"/>
-                  <a:cs typeface="+mn-cs"/>
-                </a:defRPr>
-              </a:lvl7pPr>
-              <a:lvl8pPr marL="3200400" algn="l" defTabSz="457200" rtl="0" eaLnBrk="1" latinLnBrk="0" hangingPunct="1">
-                <a:defRPr sz="1800" kern="1200">
-                  <a:solidFill>
-                    <a:schemeClr val="lt1"/>
-                  </a:solidFill>
-                  <a:latin typeface="+mn-lt"/>
-                  <a:ea typeface="+mn-ea"/>
-                  <a:cs typeface="+mn-cs"/>
-                </a:defRPr>
-              </a:lvl8pPr>
-              <a:lvl9pPr marL="3657600" algn="l" defTabSz="457200" rtl="0" eaLnBrk="1" latinLnBrk="0" hangingPunct="1">
-                <a:defRPr sz="1800" kern="1200">
-                  <a:solidFill>
-                    <a:schemeClr val="lt1"/>
-                  </a:solidFill>
-                  <a:latin typeface="+mn-lt"/>
-                  <a:ea typeface="+mn-ea"/>
-                  <a:cs typeface="+mn-cs"/>
-                </a:defRPr>
-              </a:lvl9pPr>
-            </a:lstStyle>
-            <a:p>
-              <a:pPr algn="ctr"/>
-              <a:endParaRPr lang="zh-CN" altLang="en-US"/>
-            </a:p>
-          </p:txBody>
-        </p:sp>
-      </p:grpSp>
-      <p:grpSp>
-        <p:nvGrpSpPr>
-          <p:cNvPr id="7" name="组合 27"/>
-          <p:cNvGrpSpPr/>
-          <p:nvPr/>
-        </p:nvGrpSpPr>
-        <p:grpSpPr>
-          <a:xfrm>
-            <a:off x="1102390" y="3674091"/>
-            <a:ext cx="580572" cy="580572"/>
-            <a:chOff x="9559244" y="124959"/>
-            <a:chExt cx="1143454" cy="1143454"/>
-          </a:xfrm>
-        </p:grpSpPr>
-        <p:sp>
-          <p:nvSpPr>
-            <p:cNvPr id="8" name="椭圆 7"/>
-            <p:cNvSpPr/>
-            <p:nvPr/>
-          </p:nvSpPr>
-          <p:spPr>
-            <a:xfrm>
-              <a:off x="9559244" y="124959"/>
-              <a:ext cx="1143454" cy="1143454"/>
-            </a:xfrm>
-            <a:prstGeom prst="ellipse">
-              <a:avLst/>
-            </a:prstGeom>
-            <a:solidFill>
-              <a:srgbClr val="C19C7A"/>
-            </a:solidFill>
-            <a:ln>
-              <a:noFill/>
-            </a:ln>
-          </p:spPr>
-          <p:style>
-            <a:lnRef idx="2">
-              <a:schemeClr val="accent1">
-                <a:shade val="50000"/>
-              </a:schemeClr>
-            </a:lnRef>
-            <a:fillRef idx="1">
-              <a:schemeClr val="accent1"/>
-            </a:fillRef>
-            <a:effectRef idx="0">
-              <a:schemeClr val="accent1"/>
-            </a:effectRef>
-            <a:fontRef idx="minor">
-              <a:schemeClr val="lt1"/>
-            </a:fontRef>
-          </p:style>
-          <p:txBody>
-            <a:bodyPr rot="0" spcFirstLastPara="0" vert="horz" wrap="square" lIns="91440" tIns="45720" rIns="91440" bIns="45720" numCol="1" spcCol="0" rtlCol="0" fromWordArt="0" anchor="ctr" anchorCtr="0" forceAA="0" compatLnSpc="1">
-              <a:prstTxWarp prst="textNoShape">
-                <a:avLst/>
-              </a:prstTxWarp>
-              <a:noAutofit/>
-            </a:bodyPr>
-            <a:lstStyle>
-              <a:defPPr>
-                <a:defRPr lang="en-US"/>
-              </a:defPPr>
-              <a:lvl1pPr marL="0" algn="l" defTabSz="457200" rtl="0" eaLnBrk="1" latinLnBrk="0" hangingPunct="1">
-                <a:defRPr sz="1800" kern="1200">
-                  <a:solidFill>
-                    <a:schemeClr val="lt1"/>
-                  </a:solidFill>
-                  <a:latin typeface="+mn-lt"/>
-                  <a:ea typeface="+mn-ea"/>
-                  <a:cs typeface="+mn-cs"/>
-                </a:defRPr>
-              </a:lvl1pPr>
-              <a:lvl2pPr marL="457200" algn="l" defTabSz="457200" rtl="0" eaLnBrk="1" latinLnBrk="0" hangingPunct="1">
-                <a:defRPr sz="1800" kern="1200">
-                  <a:solidFill>
-                    <a:schemeClr val="lt1"/>
-                  </a:solidFill>
-                  <a:latin typeface="+mn-lt"/>
-                  <a:ea typeface="+mn-ea"/>
-                  <a:cs typeface="+mn-cs"/>
-                </a:defRPr>
-              </a:lvl2pPr>
-              <a:lvl3pPr marL="914400" algn="l" defTabSz="457200" rtl="0" eaLnBrk="1" latinLnBrk="0" hangingPunct="1">
-                <a:defRPr sz="1800" kern="1200">
-                  <a:solidFill>
-                    <a:schemeClr val="lt1"/>
-                  </a:solidFill>
-                  <a:latin typeface="+mn-lt"/>
-                  <a:ea typeface="+mn-ea"/>
-                  <a:cs typeface="+mn-cs"/>
-                </a:defRPr>
-              </a:lvl3pPr>
-              <a:lvl4pPr marL="1371600" algn="l" defTabSz="457200" rtl="0" eaLnBrk="1" latinLnBrk="0" hangingPunct="1">
-                <a:defRPr sz="1800" kern="1200">
-                  <a:solidFill>
-                    <a:schemeClr val="lt1"/>
-                  </a:solidFill>
-                  <a:latin typeface="+mn-lt"/>
-                  <a:ea typeface="+mn-ea"/>
-                  <a:cs typeface="+mn-cs"/>
-                </a:defRPr>
-              </a:lvl4pPr>
-              <a:lvl5pPr marL="1828800" algn="l" defTabSz="457200" rtl="0" eaLnBrk="1" latinLnBrk="0" hangingPunct="1">
-                <a:defRPr sz="1800" kern="1200">
-                  <a:solidFill>
-                    <a:schemeClr val="lt1"/>
-                  </a:solidFill>
-                  <a:latin typeface="+mn-lt"/>
-                  <a:ea typeface="+mn-ea"/>
-                  <a:cs typeface="+mn-cs"/>
-                </a:defRPr>
-              </a:lvl5pPr>
-              <a:lvl6pPr marL="2286000" algn="l" defTabSz="457200" rtl="0" eaLnBrk="1" latinLnBrk="0" hangingPunct="1">
-                <a:defRPr sz="1800" kern="1200">
-                  <a:solidFill>
-                    <a:schemeClr val="lt1"/>
-                  </a:solidFill>
-                  <a:latin typeface="+mn-lt"/>
-                  <a:ea typeface="+mn-ea"/>
-                  <a:cs typeface="+mn-cs"/>
-                </a:defRPr>
-              </a:lvl6pPr>
-              <a:lvl7pPr marL="2743200" algn="l" defTabSz="457200" rtl="0" eaLnBrk="1" latinLnBrk="0" hangingPunct="1">
-                <a:defRPr sz="1800" kern="1200">
-                  <a:solidFill>
-                    <a:schemeClr val="lt1"/>
-                  </a:solidFill>
-                  <a:latin typeface="+mn-lt"/>
-                  <a:ea typeface="+mn-ea"/>
-                  <a:cs typeface="+mn-cs"/>
-                </a:defRPr>
-              </a:lvl7pPr>
-              <a:lvl8pPr marL="3200400" algn="l" defTabSz="457200" rtl="0" eaLnBrk="1" latinLnBrk="0" hangingPunct="1">
-                <a:defRPr sz="1800" kern="1200">
-                  <a:solidFill>
-                    <a:schemeClr val="lt1"/>
-                  </a:solidFill>
-                  <a:latin typeface="+mn-lt"/>
-                  <a:ea typeface="+mn-ea"/>
-                  <a:cs typeface="+mn-cs"/>
-                </a:defRPr>
-              </a:lvl8pPr>
-              <a:lvl9pPr marL="3657600" algn="l" defTabSz="457200" rtl="0" eaLnBrk="1" latinLnBrk="0" hangingPunct="1">
-                <a:defRPr sz="1800" kern="1200">
-                  <a:solidFill>
-                    <a:schemeClr val="lt1"/>
-                  </a:solidFill>
-                  <a:latin typeface="+mn-lt"/>
-                  <a:ea typeface="+mn-ea"/>
-                  <a:cs typeface="+mn-cs"/>
-                </a:defRPr>
-              </a:lvl9pPr>
-            </a:lstStyle>
-            <a:p>
-              <a:pPr algn="ctr"/>
-              <a:endParaRPr lang="zh-CN" altLang="en-US"/>
-            </a:p>
-          </p:txBody>
-        </p:sp>
-        <p:sp>
-          <p:nvSpPr>
-            <p:cNvPr id="9" name="椭圆 13"/>
-            <p:cNvSpPr/>
-            <p:nvPr/>
-          </p:nvSpPr>
-          <p:spPr>
-            <a:xfrm>
-              <a:off x="9871210" y="360023"/>
-              <a:ext cx="519521" cy="673327"/>
-            </a:xfrm>
-            <a:custGeom>
-              <a:avLst/>
-              <a:gdLst>
-                <a:gd name="connsiteX0" fmla="*/ 330836 w 459971"/>
-                <a:gd name="connsiteY0" fmla="*/ 194468 h 596147"/>
-                <a:gd name="connsiteX1" fmla="*/ 363613 w 459971"/>
-                <a:gd name="connsiteY1" fmla="*/ 217283 h 596147"/>
-                <a:gd name="connsiteX2" fmla="*/ 221578 w 459971"/>
-                <a:gd name="connsiteY2" fmla="*/ 420631 h 596147"/>
-                <a:gd name="connsiteX3" fmla="*/ 128212 w 459971"/>
-                <a:gd name="connsiteY3" fmla="*/ 326397 h 596147"/>
-                <a:gd name="connsiteX4" fmla="*/ 156023 w 459971"/>
-                <a:gd name="connsiteY4" fmla="*/ 298622 h 596147"/>
-                <a:gd name="connsiteX5" fmla="*/ 216612 w 459971"/>
-                <a:gd name="connsiteY5" fmla="*/ 359131 h 596147"/>
-                <a:gd name="connsiteX6" fmla="*/ 39738 w 459971"/>
-                <a:gd name="connsiteY6" fmla="*/ 39677 h 596147"/>
-                <a:gd name="connsiteX7" fmla="*/ 39738 w 459971"/>
-                <a:gd name="connsiteY7" fmla="*/ 556470 h 596147"/>
-                <a:gd name="connsiteX8" fmla="*/ 420233 w 459971"/>
-                <a:gd name="connsiteY8" fmla="*/ 556470 h 596147"/>
-                <a:gd name="connsiteX9" fmla="*/ 420233 w 459971"/>
-                <a:gd name="connsiteY9" fmla="*/ 102168 h 596147"/>
-                <a:gd name="connsiteX10" fmla="*/ 353671 w 459971"/>
-                <a:gd name="connsiteY10" fmla="*/ 102168 h 596147"/>
-                <a:gd name="connsiteX11" fmla="*/ 353671 w 459971"/>
-                <a:gd name="connsiteY11" fmla="*/ 39677 h 596147"/>
-                <a:gd name="connsiteX12" fmla="*/ 0 w 459971"/>
-                <a:gd name="connsiteY12" fmla="*/ 0 h 596147"/>
-                <a:gd name="connsiteX13" fmla="*/ 374534 w 459971"/>
-                <a:gd name="connsiteY13" fmla="*/ 0 h 596147"/>
-                <a:gd name="connsiteX14" fmla="*/ 459971 w 459971"/>
-                <a:gd name="connsiteY14" fmla="*/ 82330 h 596147"/>
-                <a:gd name="connsiteX15" fmla="*/ 459971 w 459971"/>
-                <a:gd name="connsiteY15" fmla="*/ 596147 h 596147"/>
-                <a:gd name="connsiteX16" fmla="*/ 0 w 459971"/>
-                <a:gd name="connsiteY16" fmla="*/ 596147 h 596147"/>
-              </a:gdLst>
-              <a:ahLst/>
-              <a:cxnLst>
-                <a:cxn ang="0">
-                  <a:pos x="connsiteX0" y="connsiteY0"/>
-                </a:cxn>
-                <a:cxn ang="0">
-                  <a:pos x="connsiteX1" y="connsiteY1"/>
-                </a:cxn>
-                <a:cxn ang="0">
-                  <a:pos x="connsiteX2" y="connsiteY2"/>
-                </a:cxn>
-                <a:cxn ang="0">
-                  <a:pos x="connsiteX3" y="connsiteY3"/>
-                </a:cxn>
-                <a:cxn ang="0">
-                  <a:pos x="connsiteX4" y="connsiteY4"/>
-                </a:cxn>
-                <a:cxn ang="0">
-                  <a:pos x="connsiteX5" y="connsiteY5"/>
-                </a:cxn>
-                <a:cxn ang="0">
-                  <a:pos x="connsiteX6" y="connsiteY6"/>
-                </a:cxn>
-                <a:cxn ang="0">
-                  <a:pos x="connsiteX7" y="connsiteY7"/>
-                </a:cxn>
-                <a:cxn ang="0">
-                  <a:pos x="connsiteX8" y="connsiteY8"/>
-                </a:cxn>
-                <a:cxn ang="0">
-                  <a:pos x="connsiteX9" y="connsiteY9"/>
-                </a:cxn>
-                <a:cxn ang="0">
-                  <a:pos x="connsiteX10" y="connsiteY10"/>
-                </a:cxn>
-                <a:cxn ang="0">
-                  <a:pos x="connsiteX11" y="connsiteY11"/>
-                </a:cxn>
-                <a:cxn ang="0">
-                  <a:pos x="connsiteX12" y="connsiteY12"/>
-                </a:cxn>
-                <a:cxn ang="0">
-                  <a:pos x="connsiteX13" y="connsiteY13"/>
-                </a:cxn>
-                <a:cxn ang="0">
-                  <a:pos x="connsiteX14" y="connsiteY14"/>
-                </a:cxn>
-                <a:cxn ang="0">
-                  <a:pos x="connsiteX15" y="connsiteY15"/>
-                </a:cxn>
-                <a:cxn ang="0">
-                  <a:pos x="connsiteX16" y="connsiteY16"/>
-                </a:cxn>
-              </a:cxnLst>
-              <a:rect l="l" t="t" r="r" b="b"/>
-              <a:pathLst>
-                <a:path w="459971" h="596147">
-                  <a:moveTo>
-                    <a:pt x="330836" y="194468"/>
-                  </a:moveTo>
-                  <a:lnTo>
-                    <a:pt x="363613" y="217283"/>
-                  </a:lnTo>
-                  <a:lnTo>
-                    <a:pt x="221578" y="420631"/>
-                  </a:lnTo>
-                  <a:lnTo>
-                    <a:pt x="128212" y="326397"/>
-                  </a:lnTo>
-                  <a:lnTo>
-                    <a:pt x="156023" y="298622"/>
-                  </a:lnTo>
-                  <a:lnTo>
-                    <a:pt x="216612" y="359131"/>
-                  </a:lnTo>
-                  <a:close/>
-                  <a:moveTo>
-                    <a:pt x="39738" y="39677"/>
-                  </a:moveTo>
-                  <a:lnTo>
-                    <a:pt x="39738" y="556470"/>
-                  </a:lnTo>
-                  <a:lnTo>
-                    <a:pt x="420233" y="556470"/>
-                  </a:lnTo>
-                  <a:lnTo>
-                    <a:pt x="420233" y="102168"/>
-                  </a:lnTo>
-                  <a:lnTo>
-                    <a:pt x="353671" y="102168"/>
-                  </a:lnTo>
-                  <a:lnTo>
-                    <a:pt x="353671" y="39677"/>
-                  </a:lnTo>
-                  <a:close/>
-                  <a:moveTo>
-                    <a:pt x="0" y="0"/>
-                  </a:moveTo>
-                  <a:lnTo>
-                    <a:pt x="374534" y="0"/>
-                  </a:lnTo>
-                  <a:lnTo>
-                    <a:pt x="459971" y="82330"/>
-                  </a:lnTo>
-                  <a:lnTo>
-                    <a:pt x="459971" y="596147"/>
-                  </a:lnTo>
-                  <a:lnTo>
-                    <a:pt x="0" y="596147"/>
-                  </a:lnTo>
-                  <a:close/>
-                </a:path>
-              </a:pathLst>
-            </a:custGeom>
-            <a:solidFill>
-              <a:schemeClr val="bg1"/>
-            </a:solidFill>
-            <a:ln>
-              <a:noFill/>
-            </a:ln>
-          </p:spPr>
-          <p:style>
-            <a:lnRef idx="2">
-              <a:schemeClr val="accent1">
-                <a:shade val="50000"/>
-              </a:schemeClr>
-            </a:lnRef>
-            <a:fillRef idx="1">
-              <a:schemeClr val="accent1"/>
-            </a:fillRef>
-            <a:effectRef idx="0">
-              <a:schemeClr val="accent1"/>
-            </a:effectRef>
-            <a:fontRef idx="minor">
-              <a:schemeClr val="lt1"/>
-            </a:fontRef>
-          </p:style>
-          <p:txBody>
-            <a:bodyPr rot="0" spcFirstLastPara="0" vert="horz" wrap="square" lIns="91440" tIns="45720" rIns="91440" bIns="45720" numCol="1" spcCol="0" rtlCol="0" fromWordArt="0" anchor="ctr" anchorCtr="0" forceAA="0" compatLnSpc="1">
-              <a:prstTxWarp prst="textNoShape">
-                <a:avLst/>
-              </a:prstTxWarp>
-              <a:noAutofit/>
-            </a:bodyPr>
-            <a:lstStyle>
-              <a:defPPr>
-                <a:defRPr lang="en-US"/>
-              </a:defPPr>
-              <a:lvl1pPr marL="0" algn="l" defTabSz="457200" rtl="0" eaLnBrk="1" latinLnBrk="0" hangingPunct="1">
-                <a:defRPr sz="1800" kern="1200">
-                  <a:solidFill>
-                    <a:schemeClr val="lt1"/>
-                  </a:solidFill>
-                  <a:latin typeface="+mn-lt"/>
-                  <a:ea typeface="+mn-ea"/>
-                  <a:cs typeface="+mn-cs"/>
-                </a:defRPr>
-              </a:lvl1pPr>
-              <a:lvl2pPr marL="457200" algn="l" defTabSz="457200" rtl="0" eaLnBrk="1" latinLnBrk="0" hangingPunct="1">
-                <a:defRPr sz="1800" kern="1200">
-                  <a:solidFill>
-                    <a:schemeClr val="lt1"/>
-                  </a:solidFill>
-                  <a:latin typeface="+mn-lt"/>
-                  <a:ea typeface="+mn-ea"/>
-                  <a:cs typeface="+mn-cs"/>
-                </a:defRPr>
-              </a:lvl2pPr>
-              <a:lvl3pPr marL="914400" algn="l" defTabSz="457200" rtl="0" eaLnBrk="1" latinLnBrk="0" hangingPunct="1">
-                <a:defRPr sz="1800" kern="1200">
-                  <a:solidFill>
-                    <a:schemeClr val="lt1"/>
-                  </a:solidFill>
-                  <a:latin typeface="+mn-lt"/>
-                  <a:ea typeface="+mn-ea"/>
-                  <a:cs typeface="+mn-cs"/>
-                </a:defRPr>
-              </a:lvl3pPr>
-              <a:lvl4pPr marL="1371600" algn="l" defTabSz="457200" rtl="0" eaLnBrk="1" latinLnBrk="0" hangingPunct="1">
-                <a:defRPr sz="1800" kern="1200">
-                  <a:solidFill>
-                    <a:schemeClr val="lt1"/>
-                  </a:solidFill>
-                  <a:latin typeface="+mn-lt"/>
-                  <a:ea typeface="+mn-ea"/>
-                  <a:cs typeface="+mn-cs"/>
-                </a:defRPr>
-              </a:lvl4pPr>
-              <a:lvl5pPr marL="1828800" algn="l" defTabSz="457200" rtl="0" eaLnBrk="1" latinLnBrk="0" hangingPunct="1">
-                <a:defRPr sz="1800" kern="1200">
-                  <a:solidFill>
-                    <a:schemeClr val="lt1"/>
-                  </a:solidFill>
-                  <a:latin typeface="+mn-lt"/>
-                  <a:ea typeface="+mn-ea"/>
-                  <a:cs typeface="+mn-cs"/>
-                </a:defRPr>
-              </a:lvl5pPr>
-              <a:lvl6pPr marL="2286000" algn="l" defTabSz="457200" rtl="0" eaLnBrk="1" latinLnBrk="0" hangingPunct="1">
-                <a:defRPr sz="1800" kern="1200">
-                  <a:solidFill>
-                    <a:schemeClr val="lt1"/>
-                  </a:solidFill>
-                  <a:latin typeface="+mn-lt"/>
-                  <a:ea typeface="+mn-ea"/>
-                  <a:cs typeface="+mn-cs"/>
-                </a:defRPr>
-              </a:lvl6pPr>
-              <a:lvl7pPr marL="2743200" algn="l" defTabSz="457200" rtl="0" eaLnBrk="1" latinLnBrk="0" hangingPunct="1">
-                <a:defRPr sz="1800" kern="1200">
-                  <a:solidFill>
-                    <a:schemeClr val="lt1"/>
-                  </a:solidFill>
-                  <a:latin typeface="+mn-lt"/>
-                  <a:ea typeface="+mn-ea"/>
-                  <a:cs typeface="+mn-cs"/>
-                </a:defRPr>
-              </a:lvl7pPr>
-              <a:lvl8pPr marL="3200400" algn="l" defTabSz="457200" rtl="0" eaLnBrk="1" latinLnBrk="0" hangingPunct="1">
-                <a:defRPr sz="1800" kern="1200">
-                  <a:solidFill>
-                    <a:schemeClr val="lt1"/>
-                  </a:solidFill>
-                  <a:latin typeface="+mn-lt"/>
-                  <a:ea typeface="+mn-ea"/>
-                  <a:cs typeface="+mn-cs"/>
-                </a:defRPr>
-              </a:lvl8pPr>
-              <a:lvl9pPr marL="3657600" algn="l" defTabSz="457200" rtl="0" eaLnBrk="1" latinLnBrk="0" hangingPunct="1">
-                <a:defRPr sz="1800" kern="1200">
-                  <a:solidFill>
-                    <a:schemeClr val="lt1"/>
-                  </a:solidFill>
-                  <a:latin typeface="+mn-lt"/>
-                  <a:ea typeface="+mn-ea"/>
-                  <a:cs typeface="+mn-cs"/>
-                </a:defRPr>
-              </a:lvl9pPr>
-            </a:lstStyle>
-            <a:p>
-              <a:pPr algn="ctr"/>
-              <a:endParaRPr lang="zh-CN" altLang="en-US"/>
-            </a:p>
-          </p:txBody>
-        </p:sp>
-      </p:grpSp>
-      <p:sp>
-        <p:nvSpPr>
-          <p:cNvPr id="11" name="矩形 10"/>
-          <p:cNvSpPr/>
-          <p:nvPr/>
-        </p:nvSpPr>
-        <p:spPr>
-          <a:xfrm>
-            <a:off x="1813763" y="2282273"/>
-            <a:ext cx="2501951" cy="402546"/>
-          </a:xfrm>
-          <a:prstGeom prst="rect">
-            <a:avLst/>
-          </a:prstGeom>
-        </p:spPr>
-        <p:txBody>
-          <a:bodyPr wrap="square">
-            <a:spAutoFit/>
-            <a:scene3d>
-              <a:camera prst="orthographicFront"/>
-              <a:lightRig rig="threePt" dir="t"/>
-            </a:scene3d>
-            <a:sp3d contourW="12700"/>
-          </a:bodyPr>
-          <a:lstStyle/>
-          <a:p>
-            <a:pPr>
-              <a:lnSpc>
-                <a:spcPct val="120000"/>
-              </a:lnSpc>
-            </a:pPr>
-            <a:r>
-              <a:rPr lang="zh-CN" altLang="en-US" b="1">
-                <a:solidFill>
-                  <a:schemeClr val="tx1">
-                    <a:lumMod val="75000"/>
-                    <a:lumOff val="25000"/>
-                  </a:schemeClr>
-                </a:solidFill>
-              </a:rPr>
-              <a:t>已有资源</a:t>
-            </a:r>
-            <a:endParaRPr lang="zh-CN" altLang="en-US" b="1" dirty="0">
-              <a:solidFill>
-                <a:schemeClr val="tx1">
-                  <a:lumMod val="75000"/>
-                  <a:lumOff val="25000"/>
-                </a:schemeClr>
-              </a:solidFill>
-            </a:endParaRPr>
-          </a:p>
-        </p:txBody>
-      </p:sp>
-      <p:sp>
-        <p:nvSpPr>
-          <p:cNvPr id="14" name="矩形 13"/>
-          <p:cNvSpPr/>
-          <p:nvPr/>
-        </p:nvSpPr>
-        <p:spPr>
-          <a:xfrm>
-            <a:off x="1813762" y="3732189"/>
-            <a:ext cx="4297447" cy="403124"/>
-          </a:xfrm>
-          <a:prstGeom prst="rect">
-            <a:avLst/>
-          </a:prstGeom>
-        </p:spPr>
-        <p:txBody>
-          <a:bodyPr wrap="square">
-            <a:spAutoFit/>
-            <a:scene3d>
-              <a:camera prst="orthographicFront"/>
-              <a:lightRig rig="threePt" dir="t"/>
-            </a:scene3d>
-            <a:sp3d contourW="12700"/>
-          </a:bodyPr>
-          <a:lstStyle/>
-          <a:p>
-            <a:pPr>
-              <a:lnSpc>
-                <a:spcPct val="120000"/>
-              </a:lnSpc>
-            </a:pPr>
-            <a:r>
-              <a:rPr lang="zh-CN" altLang="en-US" b="1">
-                <a:solidFill>
-                  <a:schemeClr val="tx1">
-                    <a:lumMod val="75000"/>
-                    <a:lumOff val="25000"/>
-                  </a:schemeClr>
-                </a:solidFill>
-              </a:rPr>
-              <a:t>根据近几年成果找到一种字典方法</a:t>
-            </a:r>
-            <a:endParaRPr lang="zh-CN" altLang="en-US" b="1" dirty="0">
-              <a:solidFill>
-                <a:schemeClr val="tx1">
-                  <a:lumMod val="75000"/>
-                  <a:lumOff val="25000"/>
-                </a:schemeClr>
-              </a:solidFill>
-            </a:endParaRPr>
-          </a:p>
-        </p:txBody>
-      </p:sp>
-      <p:sp>
-        <p:nvSpPr>
-          <p:cNvPr id="18" name="矩形 17"/>
-          <p:cNvSpPr/>
-          <p:nvPr/>
-        </p:nvSpPr>
-        <p:spPr>
-          <a:xfrm>
-            <a:off x="414736" y="142581"/>
-            <a:ext cx="6268868" cy="1224118"/>
-          </a:xfrm>
-          <a:prstGeom prst="rect">
-            <a:avLst/>
-          </a:prstGeom>
-        </p:spPr>
-        <p:txBody>
-          <a:bodyPr wrap="square">
-            <a:spAutoFit/>
-            <a:scene3d>
-              <a:camera prst="orthographicFront"/>
-              <a:lightRig rig="threePt" dir="t"/>
-            </a:scene3d>
-            <a:sp3d contourW="12700"/>
-          </a:bodyPr>
-          <a:lstStyle/>
-          <a:p>
-            <a:pPr>
-              <a:lnSpc>
-                <a:spcPct val="120000"/>
-              </a:lnSpc>
-            </a:pPr>
-            <a:r>
-              <a:rPr lang="en-US" altLang="zh-CN" sz="3200" b="1">
-                <a:solidFill>
-                  <a:srgbClr val="272727"/>
-                </a:solidFill>
-                <a:latin typeface="Microsoft YaHei" charset="-122"/>
-                <a:ea typeface="Microsoft YaHei" charset="-122"/>
-                <a:cs typeface="Microsoft YaHei" charset="-122"/>
-              </a:rPr>
-              <a:t>JSR+NEW </a:t>
-            </a:r>
-            <a:r>
-              <a:rPr lang="en-US" altLang="zh-CN" sz="3200" b="1">
-                <a:solidFill>
-                  <a:srgbClr val="272727"/>
-                </a:solidFill>
-                <a:latin typeface="Microsoft YaHei" charset="-122"/>
-                <a:ea typeface="Microsoft YaHei" charset="-122"/>
-              </a:rPr>
-              <a:t>DICTIONARY DICTIONARY LEARNING</a:t>
-            </a:r>
-            <a:endParaRPr lang="zh-CN" altLang="en-US" sz="3200" b="1" dirty="0">
-              <a:solidFill>
-                <a:srgbClr val="272727"/>
-              </a:solidFill>
-              <a:latin typeface="Microsoft YaHei" charset="-122"/>
-              <a:ea typeface="Microsoft YaHei" charset="-122"/>
-            </a:endParaRPr>
-          </a:p>
-        </p:txBody>
-      </p:sp>
-      <p:sp>
-        <p:nvSpPr>
-          <p:cNvPr id="20" name="矩形 19">
-            <a:extLst>
-              <a:ext uri="{FF2B5EF4-FFF2-40B4-BE49-F238E27FC236}">
-                <a16:creationId xmlns:a16="http://schemas.microsoft.com/office/drawing/2014/main" id="{7964F19B-C3A6-4D67-BD1B-CB0939EECE43}"/>
-              </a:ext>
-            </a:extLst>
-          </p:cNvPr>
-          <p:cNvSpPr/>
-          <p:nvPr/>
-        </p:nvSpPr>
-        <p:spPr>
-          <a:xfrm>
-            <a:off x="0" y="77339"/>
-            <a:ext cx="228600" cy="960695"/>
-          </a:xfrm>
-          <a:prstGeom prst="rect">
-            <a:avLst/>
-          </a:prstGeom>
-          <a:solidFill>
-            <a:srgbClr val="C19C7A"/>
-          </a:solidFill>
-          <a:ln>
-            <a:noFill/>
-          </a:ln>
-        </p:spPr>
-        <p:style>
-          <a:lnRef idx="2">
-            <a:schemeClr val="accent1">
-              <a:shade val="50000"/>
-            </a:schemeClr>
-          </a:lnRef>
-          <a:fillRef idx="1">
-            <a:schemeClr val="accent1"/>
-          </a:fillRef>
-          <a:effectRef idx="0">
-            <a:schemeClr val="accent1"/>
-          </a:effectRef>
-          <a:fontRef idx="minor">
-            <a:schemeClr val="lt1"/>
-          </a:fontRef>
-        </p:style>
-        <p:txBody>
-          <a:bodyPr rtlCol="0" anchor="ctr"/>
-          <a:lstStyle/>
-          <a:p>
-            <a:pPr algn="ctr"/>
-            <a:endParaRPr lang="zh-CN" altLang="en-US"/>
-          </a:p>
-        </p:txBody>
-      </p:sp>
-      <p:sp>
-        <p:nvSpPr>
-          <p:cNvPr id="23" name="矩形 22">
-            <a:extLst>
-              <a:ext uri="{FF2B5EF4-FFF2-40B4-BE49-F238E27FC236}">
-                <a16:creationId xmlns:a16="http://schemas.microsoft.com/office/drawing/2014/main" id="{F8F468B2-1A14-4DB1-8AB1-6949F2D26B6D}"/>
-              </a:ext>
-            </a:extLst>
-          </p:cNvPr>
-          <p:cNvSpPr/>
-          <p:nvPr/>
-        </p:nvSpPr>
-        <p:spPr>
-          <a:xfrm>
-            <a:off x="1813762" y="2631291"/>
-            <a:ext cx="5250773" cy="276999"/>
-          </a:xfrm>
-          <a:prstGeom prst="rect">
-            <a:avLst/>
-          </a:prstGeom>
-        </p:spPr>
-        <p:txBody>
-          <a:bodyPr wrap="square">
-            <a:spAutoFit/>
-          </a:bodyPr>
-          <a:lstStyle/>
-          <a:p>
-            <a:r>
-              <a:rPr lang="zh-CN" altLang="en-US" sz="1200">
-                <a:solidFill>
-                  <a:srgbClr val="404040"/>
-                </a:solidFill>
-                <a:latin typeface="+mn-ea"/>
-              </a:rPr>
-              <a:t>见第二章</a:t>
-            </a:r>
-            <a:r>
-              <a:rPr lang="en-US" altLang="zh-CN" sz="1200">
-                <a:solidFill>
-                  <a:srgbClr val="404040"/>
-                </a:solidFill>
-                <a:latin typeface="+mn-ea"/>
-              </a:rPr>
-              <a:t> </a:t>
-            </a:r>
-            <a:endParaRPr lang="zh-CN" altLang="en-US" sz="1400">
-              <a:solidFill>
-                <a:srgbClr val="404040"/>
-              </a:solidFill>
-              <a:latin typeface="+mn-ea"/>
-            </a:endParaRPr>
-          </a:p>
-        </p:txBody>
-      </p:sp>
-    </p:spTree>
-    <p:extLst>
-      <p:ext uri="{BB962C8B-B14F-4D97-AF65-F5344CB8AC3E}">
-        <p14:creationId xmlns:p14="http://schemas.microsoft.com/office/powerpoint/2010/main" val="2819627"/>
-      </p:ext>
-    </p:extLst>
-  </p:cSld>
-  <p:clrMapOvr>
-    <a:masterClrMapping/>
-  </p:clrMapOvr>
-  <p:transition spd="slow">
-    <p:push dir="u"/>
-  </p:transition>
-</p:sld>
-</file>
-
-<file path=ppt/slides/slide25.xml><?xml version="1.0" encoding="utf-8"?>
-<p:sld xmlns:a="http://schemas.openxmlformats.org/drawingml/2006/main" xmlns:r="http://schemas.openxmlformats.org/officeDocument/2006/relationships" xmlns:p="http://schemas.openxmlformats.org/presentationml/2006/main">
-  <p:cSld>
-    <p:spTree>
-      <p:nvGrpSpPr>
-        <p:cNvPr id="1" name=""/>
-        <p:cNvGrpSpPr/>
-        <p:nvPr/>
-      </p:nvGrpSpPr>
-      <p:grpSpPr>
-        <a:xfrm>
-          <a:off x="0" y="0"/>
-          <a:ext cx="0" cy="0"/>
-          <a:chOff x="0" y="0"/>
-          <a:chExt cx="0" cy="0"/>
-        </a:xfrm>
-      </p:grpSpPr>
-      <p:sp>
-        <p:nvSpPr>
           <p:cNvPr id="2" name="文本框 8">
             <a:extLst>
               <a:ext uri="{FF2B5EF4-FFF2-40B4-BE49-F238E27FC236}">
@@ -27139,30 +24631,6 @@
               </a:rPr>
               <a:t>数据集获取</a:t>
             </a:r>
-            <a:r>
-              <a:rPr lang="zh-CN" altLang="en-US"/>
-              <a:t>（</a:t>
-            </a:r>
-            <a:r>
-              <a:rPr lang="en-US" altLang="zh-CN">
-                <a:hlinkClick r:id="rId2">
-                  <a:extLst>
-                    <a:ext uri="{A12FA001-AC4F-418D-AE19-62706E023703}">
-                      <ahyp:hlinkClr xmlns:ahyp="http://schemas.microsoft.com/office/drawing/2018/hyperlinkcolor" val="tx"/>
-                    </a:ext>
-                  </a:extLst>
-                </a:hlinkClick>
-              </a:rPr>
-              <a:t>http://www.med.harvard.edu/AANLIB/</a:t>
-            </a:r>
-            <a:r>
-              <a:rPr lang="zh-CN" altLang="en-US"/>
-              <a:t>）</a:t>
-            </a:r>
-            <a:r>
-              <a:rPr lang="en-US" altLang="zh-CN"/>
-              <a:t> </a:t>
-            </a:r>
             <a:br>
               <a:rPr lang="en-US" altLang="zh-CN" sz="3200"/>
             </a:br>
@@ -27412,7 +24880,7 @@
                 <a:avLst/>
               </a:prstGeom>
               <a:blipFill dpi="0" rotWithShape="1">
-                <a:blip r:embed="rId3">
+                <a:blip r:embed="rId2">
                   <a:extLst>
                     <a:ext uri="{28A0092B-C50C-407E-A947-70E740481C1C}">
                       <a14:useLocalDpi xmlns:a14="http://schemas.microsoft.com/office/drawing/2010/main"/>
@@ -27471,7 +24939,7 @@
               <p:nvPr/>
             </p:nvPicPr>
             <p:blipFill>
-              <a:blip r:embed="rId4">
+              <a:blip r:embed="rId3">
                 <a:extLst>
                   <a:ext uri="{28A0092B-C50C-407E-A947-70E740481C1C}">
                     <a14:useLocalDpi xmlns:a14="http://schemas.microsoft.com/office/drawing/2010/main" val="0"/>
@@ -27507,7 +24975,7 @@
               <p:nvPr/>
             </p:nvPicPr>
             <p:blipFill>
-              <a:blip r:embed="rId5">
+              <a:blip r:embed="rId4">
                 <a:extLst>
                   <a:ext uri="{28A0092B-C50C-407E-A947-70E740481C1C}">
                     <a14:useLocalDpi xmlns:a14="http://schemas.microsoft.com/office/drawing/2010/main" val="0"/>
@@ -27559,7 +25027,7 @@
             <p:nvPr/>
           </p:nvPicPr>
           <p:blipFill>
-            <a:blip r:embed="rId6">
+            <a:blip r:embed="rId5">
               <a:extLst>
                 <a:ext uri="{28A0092B-C50C-407E-A947-70E740481C1C}">
                   <a14:useLocalDpi xmlns:a14="http://schemas.microsoft.com/office/drawing/2010/main"/>
@@ -27595,7 +25063,7 @@
             <p:nvPr/>
           </p:nvPicPr>
           <p:blipFill>
-            <a:blip r:embed="rId7">
+            <a:blip r:embed="rId6">
               <a:extLst>
                 <a:ext uri="{28A0092B-C50C-407E-A947-70E740481C1C}">
                   <a14:useLocalDpi xmlns:a14="http://schemas.microsoft.com/office/drawing/2010/main" val="0"/>
@@ -27631,7 +25099,7 @@
             <p:nvPr/>
           </p:nvPicPr>
           <p:blipFill>
-            <a:blip r:embed="rId8">
+            <a:blip r:embed="rId7">
               <a:extLst>
                 <a:ext uri="{28A0092B-C50C-407E-A947-70E740481C1C}">
                   <a14:useLocalDpi xmlns:a14="http://schemas.microsoft.com/office/drawing/2010/main" val="0"/>
@@ -27816,7 +25284,7 @@
               <a:avLst/>
             </a:prstGeom>
             <a:blipFill dpi="0" rotWithShape="1">
-              <a:blip r:embed="rId9">
+              <a:blip r:embed="rId8">
                 <a:extLst>
                   <a:ext uri="{28A0092B-C50C-407E-A947-70E740481C1C}">
                     <a14:useLocalDpi xmlns:a14="http://schemas.microsoft.com/office/drawing/2010/main"/>
@@ -27926,7 +25394,7 @@
             <p:nvPr/>
           </p:nvPicPr>
           <p:blipFill>
-            <a:blip r:embed="rId10">
+            <a:blip r:embed="rId9">
               <a:extLst>
                 <a:ext uri="{28A0092B-C50C-407E-A947-70E740481C1C}">
                   <a14:useLocalDpi xmlns:a14="http://schemas.microsoft.com/office/drawing/2010/main" val="0"/>
@@ -27962,7 +25430,7 @@
             <p:nvPr/>
           </p:nvPicPr>
           <p:blipFill>
-            <a:blip r:embed="rId11">
+            <a:blip r:embed="rId10">
               <a:extLst>
                 <a:ext uri="{28A0092B-C50C-407E-A947-70E740481C1C}">
                   <a14:useLocalDpi xmlns:a14="http://schemas.microsoft.com/office/drawing/2010/main" val="0"/>
@@ -28113,7 +25581,7 @@
                 <a:ea typeface="Microsoft YaHei" charset="-122"/>
                 <a:cs typeface="Microsoft YaHei" charset="-122"/>
               </a:rPr>
-              <a:t>可实现算法概述及应用</a:t>
+              <a:t>传统算法概述及应用</a:t>
             </a:r>
             <a:r>
               <a:rPr lang="en-US" altLang="zh-CN" sz="3200" b="1">
@@ -30972,7 +28440,7 @@
                 <a:ea typeface="Microsoft YaHei" charset="-122"/>
                 <a:cs typeface="Microsoft YaHei" charset="-122"/>
               </a:rPr>
-              <a:t>可实现算法概述及应用</a:t>
+              <a:t>传统算法概述及应用</a:t>
             </a:r>
             <a:r>
               <a:rPr lang="en-US" altLang="zh-CN" sz="3200" b="1">
@@ -32595,7 +30063,7 @@
                 <a:ea typeface="Microsoft YaHei" charset="-122"/>
                 <a:cs typeface="Microsoft YaHei" charset="-122"/>
               </a:rPr>
-              <a:t>可实现算法概述及应用</a:t>
+              <a:t>传统算法概述及应用</a:t>
             </a:r>
             <a:r>
               <a:rPr lang="en-US" altLang="zh-CN" sz="3200" b="1">
